--- a/Diapos/HPC_SIMD.pptx
+++ b/Diapos/HPC_SIMD.pptx
@@ -13689,7 +13689,7 @@
             <a:pPr rtl="0"/>
             <a:fld id="{44067F72-4B43-4EB2-81AF-1356A084F97D}" type="datetime1">
               <a:rPr lang="fr-FR" smtClean="0"/>
-              <a:t>06/12/2020</a:t>
+              <a:t>07/12/2020</a:t>
             </a:fld>
             <a:endParaRPr lang="fr-FR"/>
           </a:p>
@@ -13871,7 +13871,7 @@
             <a:pPr rtl="0"/>
             <a:fld id="{18E2C9A5-1936-47C6-ADD2-56E91A3B7AD6}" type="datetime1">
               <a:rPr lang="fr-FR" noProof="0" smtClean="0"/>
-              <a:t>06/12/2020</a:t>
+              <a:t>07/12/2020</a:t>
             </a:fld>
             <a:endParaRPr lang="fr-FR" noProof="0"/>
           </a:p>
@@ -15211,7 +15211,7 @@
             <a:pPr rtl="0"/>
             <a:fld id="{0403CD74-91A7-4B71-B298-50645341EDD4}" type="datetime1">
               <a:rPr lang="fr-FR" noProof="0" smtClean="0"/>
-              <a:t>06/12/2020</a:t>
+              <a:t>07/12/2020</a:t>
             </a:fld>
             <a:endParaRPr lang="fr-FR" noProof="0"/>
           </a:p>
@@ -15477,7 +15477,7 @@
             <a:pPr rtl="0"/>
             <a:fld id="{77B509D1-F8C0-4CA0-858B-2AEDA726DA78}" type="datetime1">
               <a:rPr lang="fr-FR" noProof="0" smtClean="0"/>
-              <a:t>06/12/2020</a:t>
+              <a:t>07/12/2020</a:t>
             </a:fld>
             <a:endParaRPr lang="fr-FR" noProof="0"/>
           </a:p>
@@ -15716,7 +15716,7 @@
             <a:pPr rtl="0"/>
             <a:fld id="{BFAD2B5B-47C2-4EBB-964D-B5C3690B6DFC}" type="datetime1">
               <a:rPr lang="fr-FR" noProof="0" smtClean="0"/>
-              <a:t>06/12/2020</a:t>
+              <a:t>07/12/2020</a:t>
             </a:fld>
             <a:endParaRPr lang="fr-FR" noProof="0"/>
           </a:p>
@@ -15965,7 +15965,7 @@
             <a:pPr rtl="0"/>
             <a:fld id="{4284DE75-DF3C-46A1-8E6B-C01542896712}" type="datetime1">
               <a:rPr lang="fr-FR" noProof="0" smtClean="0"/>
-              <a:t>06/12/2020</a:t>
+              <a:t>07/12/2020</a:t>
             </a:fld>
             <a:endParaRPr lang="fr-FR" noProof="0" dirty="0"/>
           </a:p>
@@ -16284,7 +16284,7 @@
             <a:pPr rtl="0"/>
             <a:fld id="{80CB3D2D-45DD-496C-AA6C-A93FD66473E3}" type="datetime1">
               <a:rPr lang="fr-FR" noProof="0" smtClean="0"/>
-              <a:t>06/12/2020</a:t>
+              <a:t>07/12/2020</a:t>
             </a:fld>
             <a:endParaRPr lang="fr-FR" noProof="0"/>
           </a:p>
@@ -16595,7 +16595,7 @@
             <a:pPr rtl="0"/>
             <a:fld id="{EFB18253-55B0-414F-8F02-5F24D4FE0C41}" type="datetime1">
               <a:rPr lang="fr-FR" noProof="0" smtClean="0"/>
-              <a:t>06/12/2020</a:t>
+              <a:t>07/12/2020</a:t>
             </a:fld>
             <a:endParaRPr lang="fr-FR" noProof="0"/>
           </a:p>
@@ -17036,7 +17036,7 @@
             <a:pPr rtl="0"/>
             <a:fld id="{A3DF8B3A-A2CC-4133-9F37-93D6DD187088}" type="datetime1">
               <a:rPr lang="fr-FR" noProof="0" smtClean="0"/>
-              <a:t>06/12/2020</a:t>
+              <a:t>07/12/2020</a:t>
             </a:fld>
             <a:endParaRPr lang="fr-FR" noProof="0"/>
           </a:p>
@@ -17148,7 +17148,7 @@
             <a:pPr rtl="0"/>
             <a:fld id="{3A376707-662B-440F-A345-984A712059E4}" type="datetime1">
               <a:rPr lang="fr-FR" noProof="0" smtClean="0"/>
-              <a:t>06/12/2020</a:t>
+              <a:t>07/12/2020</a:t>
             </a:fld>
             <a:endParaRPr lang="fr-FR" noProof="0"/>
           </a:p>
@@ -17314,7 +17314,7 @@
             <a:pPr rtl="0"/>
             <a:fld id="{8467424E-3337-4E92-BEE1-F720AC49DD1E}" type="datetime1">
               <a:rPr lang="fr-FR" noProof="0" smtClean="0"/>
-              <a:t>06/12/2020</a:t>
+              <a:t>07/12/2020</a:t>
             </a:fld>
             <a:endParaRPr lang="fr-FR" noProof="0"/>
           </a:p>
@@ -17696,7 +17696,7 @@
             <a:pPr rtl="0"/>
             <a:fld id="{D6D64502-6BA4-4CC8-8A3D-2A27850A7A08}" type="datetime1">
               <a:rPr lang="fr-FR" noProof="0" smtClean="0"/>
-              <a:t>06/12/2020</a:t>
+              <a:t>07/12/2020</a:t>
             </a:fld>
             <a:endParaRPr lang="fr-FR" noProof="0"/>
           </a:p>
@@ -17989,7 +17989,7 @@
             <a:pPr rtl="0"/>
             <a:fld id="{01C10578-73C0-4732-A884-D24ACCC97C87}" type="datetime1">
               <a:rPr lang="fr-FR" noProof="0" smtClean="0"/>
-              <a:t>06/12/2020</a:t>
+              <a:t>07/12/2020</a:t>
             </a:fld>
             <a:endParaRPr lang="fr-FR" noProof="0"/>
           </a:p>
@@ -18204,7 +18204,7 @@
             <a:pPr rtl="0"/>
             <a:fld id="{A4C732EE-BF7E-4015-ABFF-6CDED879EEBC}" type="datetime1">
               <a:rPr lang="fr-FR" noProof="0" smtClean="0"/>
-              <a:t>06/12/2020</a:t>
+              <a:t>07/12/2020</a:t>
             </a:fld>
             <a:endParaRPr lang="fr-FR" noProof="0"/>
           </a:p>
@@ -28394,16 +28394,7 @@
                 </a:solidFill>
                 <a:latin typeface="Arial Narrow"/>
               </a:rPr>
-              <a:t>( n ) )</a:t>
-            </a:r>
-            <a:r>
-              <a:rPr lang="fr-FR" spc="-1" dirty="0">
-                <a:solidFill>
-                  <a:srgbClr val="0A3071"/>
-                </a:solidFill>
-                <a:latin typeface="Arial Narrow"/>
-              </a:rPr>
-              <a:t>     </a:t>
+              <a:t>( n ) )     </a:t>
             </a:r>
             <a:r>
               <a:rPr lang="fr-FR" spc="-1" dirty="0" smtClean="0">
@@ -30285,13 +30276,13 @@
               <a:t>Ne pas hésiter à utiliser le mot clé « __</a:t>
             </a:r>
             <a:r>
-              <a:rPr lang="fr-FR" sz="1800" b="0" strike="noStrike" spc="-1" dirty="0" err="1">
+              <a:rPr lang="fr-FR" sz="1800" b="0" strike="noStrike" spc="-1" dirty="0" err="1" smtClean="0">
                 <a:solidFill>
                   <a:srgbClr val="0A3071"/>
                 </a:solidFill>
                 <a:latin typeface="Arial Narrow"/>
               </a:rPr>
-              <a:t>restict</a:t>
+              <a:t>restrict</a:t>
             </a:r>
             <a:r>
               <a:rPr lang="fr-FR" sz="1800" b="0" strike="noStrike" spc="-1" dirty="0">
@@ -30839,6 +30830,13 @@
   <p:clrMapOvr>
     <a:masterClrMapping/>
   </p:clrMapOvr>
+  <p:timing>
+    <p:tnLst>
+      <p:par>
+        <p:cTn id="1" dur="indefinite" restart="never" nodeType="tmRoot"/>
+      </p:par>
+    </p:tnLst>
+  </p:timing>
 </p:sld>
 </file>
 
@@ -33707,16 +33705,7 @@
                 </a:solidFill>
                 <a:latin typeface="Arial Narrow"/>
               </a:rPr>
-              <a:t>	</a:t>
-            </a:r>
-            <a:r>
-              <a:rPr lang="fr-FR" spc="-1" dirty="0" smtClean="0">
-                <a:solidFill>
-                  <a:srgbClr val="0A3071"/>
-                </a:solidFill>
-                <a:latin typeface="Arial Narrow"/>
-              </a:rPr>
-              <a:t>?</a:t>
+              <a:t>	?</a:t>
             </a:r>
             <a:endParaRPr lang="fr-FR" spc="-1" dirty="0">
               <a:solidFill>
@@ -33844,12 +33833,6 @@
               </a:rPr>
               <a:t> (256 bits).</a:t>
             </a:r>
-            <a:endParaRPr lang="fr-FR" spc="-1" dirty="0">
-              <a:solidFill>
-                <a:srgbClr val="0A3071"/>
-              </a:solidFill>
-              <a:latin typeface="Arial Narrow"/>
-            </a:endParaRPr>
           </a:p>
         </p:txBody>
       </p:sp>
@@ -34426,15 +34409,7 @@
           <a:p>
             <a:r>
               <a:rPr lang="fr-FR" dirty="0" smtClean="0"/>
-              <a:t>Vectorisation manuelle </a:t>
-            </a:r>
-            <a:r>
-              <a:rPr lang="fr-FR" dirty="0" smtClean="0"/>
-              <a:t>SSE ou AVX d’un </a:t>
-            </a:r>
-            <a:r>
-              <a:rPr lang="fr-FR" dirty="0" smtClean="0"/>
-              <a:t>calcul matriciel simple :</a:t>
+              <a:t>Vectorisation manuelle SSE ou AVX d’un calcul matriciel simple :</a:t>
             </a:r>
           </a:p>
           <a:p>
@@ -36401,15 +36376,7 @@
                   <a:srgbClr val="7CEBFF"/>
                 </a:solidFill>
               </a:rPr>
-              <a:t>les </a:t>
-            </a:r>
-            <a:r>
-              <a:rPr lang="fr-FR" dirty="0" smtClean="0">
-                <a:solidFill>
-                  <a:srgbClr val="7CEBFF"/>
-                </a:solidFill>
-              </a:rPr>
-              <a:t>7 et 8 décembre 2020</a:t>
+              <a:t>les 7 et 8 décembre 2020</a:t>
             </a:r>
             <a:endParaRPr lang="fr-FR" dirty="0">
               <a:solidFill>
@@ -36612,11 +36579,7 @@
           <a:p>
             <a:r>
               <a:rPr lang="fr-FR" dirty="0" smtClean="0"/>
-              <a:t>À vous :  Trouver les jeux d’extension supportés de votre </a:t>
-            </a:r>
-            <a:r>
-              <a:rPr lang="fr-FR" dirty="0" smtClean="0"/>
-              <a:t>processeur -&gt; </a:t>
+              <a:t>À vous :  Trouver les jeux d’extension supportés de votre processeur -&gt; </a:t>
             </a:r>
             <a:r>
               <a:rPr lang="fr-FR" dirty="0" err="1" smtClean="0"/>
@@ -36999,16 +36962,7 @@
                 </a:solidFill>
                 <a:latin typeface="Arial Narrow"/>
               </a:rPr>
-              <a:t>lire, comprendre et </a:t>
-            </a:r>
-            <a:r>
-              <a:rPr lang="fr-FR" sz="1400" b="0" strike="noStrike" spc="-1" dirty="0" smtClean="0">
-                <a:solidFill>
-                  <a:srgbClr val="0A3071"/>
-                </a:solidFill>
-                <a:latin typeface="Arial Narrow"/>
-              </a:rPr>
-              <a:t>maintenir</a:t>
+              <a:t>lire, comprendre et maintenir</a:t>
             </a:r>
           </a:p>
           <a:p>
@@ -37938,6 +37892,13 @@
   <p:clrMapOvr>
     <a:masterClrMapping/>
   </p:clrMapOvr>
+  <p:timing>
+    <p:tnLst>
+      <p:par>
+        <p:cTn id="1" dur="indefinite" restart="never" nodeType="tmRoot"/>
+      </p:par>
+    </p:tnLst>
+  </p:timing>
 </p:sld>
 </file>
 
@@ -38536,13 +38497,31 @@
               <a:buChar char=""/>
             </a:pPr>
             <a:r>
+              <a:rPr lang="fr-FR" spc="-1" dirty="0">
+                <a:solidFill>
+                  <a:srgbClr val="0A3071"/>
+                </a:solidFill>
+                <a:latin typeface="Arial Narrow"/>
+              </a:rPr>
+              <a:t>L</a:t>
+            </a:r>
+            <a:r>
+              <a:rPr lang="fr-FR" sz="1800" b="0" strike="noStrike" spc="-1" dirty="0" smtClean="0">
+                <a:solidFill>
+                  <a:srgbClr val="0A3071"/>
+                </a:solidFill>
+                <a:latin typeface="Arial Narrow"/>
+              </a:rPr>
+              <a:t>e </a:t>
+            </a:r>
+            <a:r>
               <a:rPr lang="fr-FR" sz="1800" b="0" strike="noStrike" spc="-1" dirty="0">
                 <a:solidFill>
                   <a:srgbClr val="0A3071"/>
                 </a:solidFill>
                 <a:latin typeface="Arial Narrow"/>
               </a:rPr>
-              <a:t>Ne nombre </a:t>
+              <a:t>nombre </a:t>
             </a:r>
             <a:r>
               <a:rPr lang="fr-FR" sz="1800" b="0" strike="noStrike" spc="-1" dirty="0" smtClean="0">
@@ -38576,13 +38555,31 @@
               <a:buChar char=""/>
             </a:pPr>
             <a:r>
+              <a:rPr lang="fr-FR" spc="-1" dirty="0" smtClean="0">
+                <a:solidFill>
+                  <a:srgbClr val="0A3071"/>
+                </a:solidFill>
+                <a:latin typeface="Arial Narrow"/>
+              </a:rPr>
+              <a:t>Un</a:t>
+            </a:r>
+            <a:r>
+              <a:rPr lang="fr-FR" sz="1800" b="0" strike="noStrike" spc="-1" dirty="0" smtClean="0">
+                <a:solidFill>
+                  <a:srgbClr val="0A3071"/>
+                </a:solidFill>
+                <a:latin typeface="Arial Narrow"/>
+              </a:rPr>
+              <a:t> </a:t>
+            </a:r>
+            <a:r>
               <a:rPr lang="fr-FR" sz="1800" b="0" strike="noStrike" spc="-1" dirty="0">
                 <a:solidFill>
                   <a:srgbClr val="0A3071"/>
                 </a:solidFill>
                 <a:latin typeface="Arial Narrow"/>
               </a:rPr>
-              <a:t>Il seul point d'entrée, un seul point de sortie</a:t>
+              <a:t>seul point d'entrée, un seul point de sortie</a:t>
             </a:r>
           </a:p>
           <a:p>
@@ -41331,14 +41328,6 @@
 </file>
 
 <file path=customXml/item1.xml><?xml version="1.0" encoding="utf-8"?>
-<p:properties xmlns:p="http://schemas.microsoft.com/office/2006/metadata/properties" xmlns:xsi="http://www.w3.org/2001/XMLSchema-instance" xmlns:pc="http://schemas.microsoft.com/office/infopath/2007/PartnerControls">
-  <documentManagement>
-    <MediaServiceKeyPoints xmlns="71af3243-3dd4-4a8d-8c0d-dd76da1f02a5" xsi:nil="true"/>
-  </documentManagement>
-</p:properties>
-</file>
-
-<file path=customXml/item2.xml><?xml version="1.0" encoding="utf-8"?>
 <ct:contentTypeSchema xmlns:ct="http://schemas.microsoft.com/office/2006/metadata/contentType" xmlns:ma="http://schemas.microsoft.com/office/2006/metadata/properties/metaAttributes" ct:_="" ma:_="" ma:contentTypeName="Document" ma:contentTypeID="0x01010079F111ED35F8CC479449609E8A0923A6" ma:contentTypeVersion="11" ma:contentTypeDescription="Create a new document." ma:contentTypeScope="" ma:versionID="9677210f24a1be23c92c90fd886aa0aa">
   <xsd:schema xmlns:xsd="http://www.w3.org/2001/XMLSchema" xmlns:xs="http://www.w3.org/2001/XMLSchema" xmlns:p="http://schemas.microsoft.com/office/2006/metadata/properties" xmlns:ns2="71af3243-3dd4-4a8d-8c0d-dd76da1f02a5" xmlns:ns3="16c05727-aa75-4e4a-9b5f-8a80a1165891" targetNamespace="http://schemas.microsoft.com/office/2006/metadata/properties" ma:root="true" ma:fieldsID="60e05723c5c1908df1a1a4ebf11d344e" ns2:_="" ns3:_="">
     <xsd:import namespace="71af3243-3dd4-4a8d-8c0d-dd76da1f02a5"/>
@@ -41549,6 +41538,14 @@
 </ct:contentTypeSchema>
 </file>
 
+<file path=customXml/item2.xml><?xml version="1.0" encoding="utf-8"?>
+<p:properties xmlns:p="http://schemas.microsoft.com/office/2006/metadata/properties" xmlns:xsi="http://www.w3.org/2001/XMLSchema-instance" xmlns:pc="http://schemas.microsoft.com/office/infopath/2007/PartnerControls">
+  <documentManagement>
+    <MediaServiceKeyPoints xmlns="71af3243-3dd4-4a8d-8c0d-dd76da1f02a5" xsi:nil="true"/>
+  </documentManagement>
+</p:properties>
+</file>
+
 <file path=customXml/item3.xml><?xml version="1.0" encoding="utf-8"?>
 <?mso-contentType ?>
 <FormTemplates xmlns="http://schemas.microsoft.com/sharepoint/v3/contenttype/forms">
@@ -41559,23 +41556,6 @@
 </file>
 
 <file path=customXml/itemProps1.xml><?xml version="1.0" encoding="utf-8"?>
-<ds:datastoreItem xmlns:ds="http://schemas.openxmlformats.org/officeDocument/2006/customXml" ds:itemID="{F651EF32-6551-47EB-8BA9-22EF81F3DDAC}">
-  <ds:schemaRefs>
-    <ds:schemaRef ds:uri="http://schemas.microsoft.com/office/2006/metadata/properties"/>
-    <ds:schemaRef ds:uri="http://purl.org/dc/dcmitype/"/>
-    <ds:schemaRef ds:uri="http://schemas.microsoft.com/office/2006/documentManagement/types"/>
-    <ds:schemaRef ds:uri="http://purl.org/dc/terms/"/>
-    <ds:schemaRef ds:uri="http://schemas.openxmlformats.org/package/2006/metadata/core-properties"/>
-    <ds:schemaRef ds:uri="http://www.w3.org/XML/1998/namespace"/>
-    <ds:schemaRef ds:uri="http://schemas.microsoft.com/office/infopath/2007/PartnerControls"/>
-    <ds:schemaRef ds:uri="16c05727-aa75-4e4a-9b5f-8a80a1165891"/>
-    <ds:schemaRef ds:uri="71af3243-3dd4-4a8d-8c0d-dd76da1f02a5"/>
-    <ds:schemaRef ds:uri="http://purl.org/dc/elements/1.1/"/>
-  </ds:schemaRefs>
-</ds:datastoreItem>
-</file>
-
-<file path=customXml/itemProps2.xml><?xml version="1.0" encoding="utf-8"?>
 <ds:datastoreItem xmlns:ds="http://schemas.openxmlformats.org/officeDocument/2006/customXml" ds:itemID="{1EED214C-B51A-4B75-8B08-0E0DBD2305BE}">
   <ds:schemaRefs>
     <ds:schemaRef ds:uri="http://schemas.microsoft.com/office/2006/metadata/contentType"/>
@@ -41594,6 +41574,23 @@
 </ds:datastoreItem>
 </file>
 
+<file path=customXml/itemProps2.xml><?xml version="1.0" encoding="utf-8"?>
+<ds:datastoreItem xmlns:ds="http://schemas.openxmlformats.org/officeDocument/2006/customXml" ds:itemID="{F651EF32-6551-47EB-8BA9-22EF81F3DDAC}">
+  <ds:schemaRefs>
+    <ds:schemaRef ds:uri="http://schemas.microsoft.com/office/2006/metadata/properties"/>
+    <ds:schemaRef ds:uri="http://purl.org/dc/dcmitype/"/>
+    <ds:schemaRef ds:uri="http://schemas.microsoft.com/office/2006/documentManagement/types"/>
+    <ds:schemaRef ds:uri="http://purl.org/dc/terms/"/>
+    <ds:schemaRef ds:uri="http://schemas.openxmlformats.org/package/2006/metadata/core-properties"/>
+    <ds:schemaRef ds:uri="http://www.w3.org/XML/1998/namespace"/>
+    <ds:schemaRef ds:uri="http://schemas.microsoft.com/office/infopath/2007/PartnerControls"/>
+    <ds:schemaRef ds:uri="16c05727-aa75-4e4a-9b5f-8a80a1165891"/>
+    <ds:schemaRef ds:uri="71af3243-3dd4-4a8d-8c0d-dd76da1f02a5"/>
+    <ds:schemaRef ds:uri="http://purl.org/dc/elements/1.1/"/>
+  </ds:schemaRefs>
+</ds:datastoreItem>
+</file>
+
 <file path=customXml/itemProps3.xml><?xml version="1.0" encoding="utf-8"?>
 <ds:datastoreItem xmlns:ds="http://schemas.openxmlformats.org/officeDocument/2006/customXml" ds:itemID="{2B21BF1A-59D3-4E19-9B95-2FD4309AC3AF}">
   <ds:schemaRefs>

--- a/Diapos/HPC_SIMD.pptx
+++ b/Diapos/HPC_SIMD.pptx
@@ -3160,17 +3160,17 @@
       </dgm:t>
     </dgm:pt>
     <dgm:pt modelId="{95581151-2EAE-4503-968F-E3E0DC6060B7}">
-      <dgm:prSet phldrT="[Texte]"/>
+      <dgm:prSet phldrT="[Texte]" custT="1"/>
       <dgm:spPr/>
       <dgm:t>
         <a:bodyPr/>
         <a:lstStyle/>
         <a:p>
           <a:r>
-            <a:rPr lang="fr-FR" dirty="0" smtClean="0"/>
+            <a:rPr lang="fr-FR" sz="1100" dirty="0" smtClean="0"/>
             <a:t>MMX</a:t>
           </a:r>
-          <a:endParaRPr lang="fr-FR" dirty="0"/>
+          <a:endParaRPr lang="fr-FR" sz="1100" dirty="0"/>
         </a:p>
       </dgm:t>
     </dgm:pt>
@@ -3181,7 +3181,7 @@
         <a:bodyPr/>
         <a:lstStyle/>
         <a:p>
-          <a:endParaRPr lang="fr-FR"/>
+          <a:endParaRPr lang="fr-FR" sz="2400"/>
         </a:p>
       </dgm:t>
     </dgm:pt>
@@ -3192,38 +3192,38 @@
         <a:bodyPr/>
         <a:lstStyle/>
         <a:p>
-          <a:endParaRPr lang="fr-FR"/>
+          <a:endParaRPr lang="fr-FR" sz="2400"/>
         </a:p>
       </dgm:t>
     </dgm:pt>
     <dgm:pt modelId="{6BFCBB6F-52EA-4991-808F-366BD6700259}">
-      <dgm:prSet phldrT="[Texte]"/>
+      <dgm:prSet phldrT="[Texte]" custT="1"/>
       <dgm:spPr/>
       <dgm:t>
         <a:bodyPr/>
         <a:lstStyle/>
         <a:p>
           <a:r>
-            <a:rPr lang="fr-FR" dirty="0" smtClean="0"/>
+            <a:rPr lang="fr-FR" sz="1100" dirty="0" smtClean="0"/>
             <a:t>#</a:t>
           </a:r>
           <a:r>
-            <a:rPr lang="fr-FR" dirty="0" err="1" smtClean="0"/>
+            <a:rPr lang="fr-FR" sz="1100" dirty="0" err="1" smtClean="0"/>
             <a:t>include</a:t>
           </a:r>
           <a:r>
-            <a:rPr lang="fr-FR" dirty="0" smtClean="0"/>
+            <a:rPr lang="fr-FR" sz="1100" dirty="0" smtClean="0"/>
             <a:t> &lt;</a:t>
           </a:r>
           <a:r>
-            <a:rPr lang="fr-FR" dirty="0" err="1" smtClean="0"/>
+            <a:rPr lang="fr-FR" sz="1100" dirty="0" err="1" smtClean="0"/>
             <a:t>mmintrin.h</a:t>
           </a:r>
           <a:r>
-            <a:rPr lang="fr-FR" dirty="0" smtClean="0"/>
+            <a:rPr lang="fr-FR" sz="1100" dirty="0" smtClean="0"/>
             <a:t>&gt;</a:t>
           </a:r>
-          <a:endParaRPr lang="fr-FR" dirty="0"/>
+          <a:endParaRPr lang="fr-FR" sz="1100" dirty="0"/>
         </a:p>
       </dgm:t>
     </dgm:pt>
@@ -3234,7 +3234,7 @@
         <a:bodyPr/>
         <a:lstStyle/>
         <a:p>
-          <a:endParaRPr lang="fr-FR"/>
+          <a:endParaRPr lang="fr-FR" sz="2400"/>
         </a:p>
       </dgm:t>
     </dgm:pt>
@@ -3245,22 +3245,22 @@
         <a:bodyPr/>
         <a:lstStyle/>
         <a:p>
-          <a:endParaRPr lang="fr-FR"/>
+          <a:endParaRPr lang="fr-FR" sz="2400"/>
         </a:p>
       </dgm:t>
     </dgm:pt>
     <dgm:pt modelId="{D595E41C-E797-49CA-89AA-12512EEBEC57}">
-      <dgm:prSet phldrT="[Texte]"/>
+      <dgm:prSet phldrT="[Texte]" custT="1"/>
       <dgm:spPr/>
       <dgm:t>
         <a:bodyPr/>
         <a:lstStyle/>
         <a:p>
           <a:r>
-            <a:rPr lang="fr-FR" dirty="0" smtClean="0"/>
+            <a:rPr lang="fr-FR" sz="1100" dirty="0" smtClean="0"/>
             <a:t>SSE</a:t>
           </a:r>
-          <a:endParaRPr lang="fr-FR" dirty="0"/>
+          <a:endParaRPr lang="fr-FR" sz="1100" dirty="0"/>
         </a:p>
       </dgm:t>
     </dgm:pt>
@@ -3271,7 +3271,7 @@
         <a:bodyPr/>
         <a:lstStyle/>
         <a:p>
-          <a:endParaRPr lang="fr-FR"/>
+          <a:endParaRPr lang="fr-FR" sz="2400"/>
         </a:p>
       </dgm:t>
     </dgm:pt>
@@ -3282,38 +3282,38 @@
         <a:bodyPr/>
         <a:lstStyle/>
         <a:p>
-          <a:endParaRPr lang="fr-FR"/>
+          <a:endParaRPr lang="fr-FR" sz="2400"/>
         </a:p>
       </dgm:t>
     </dgm:pt>
     <dgm:pt modelId="{6813A63D-3893-4F61-AED6-699E13A7B76C}">
-      <dgm:prSet phldrT="[Texte]"/>
+      <dgm:prSet phldrT="[Texte]" custT="1"/>
       <dgm:spPr/>
       <dgm:t>
         <a:bodyPr/>
         <a:lstStyle/>
         <a:p>
           <a:r>
-            <a:rPr lang="fr-FR" dirty="0" smtClean="0"/>
+            <a:rPr lang="fr-FR" sz="1100" dirty="0" smtClean="0"/>
             <a:t>#</a:t>
           </a:r>
           <a:r>
-            <a:rPr lang="fr-FR" dirty="0" err="1" smtClean="0"/>
+            <a:rPr lang="fr-FR" sz="1100" dirty="0" err="1" smtClean="0"/>
             <a:t>include</a:t>
           </a:r>
           <a:r>
-            <a:rPr lang="fr-FR" dirty="0" smtClean="0"/>
+            <a:rPr lang="fr-FR" sz="1100" dirty="0" smtClean="0"/>
             <a:t> &lt;</a:t>
           </a:r>
           <a:r>
-            <a:rPr lang="fr-FR" dirty="0" err="1" smtClean="0"/>
+            <a:rPr lang="fr-FR" sz="1100" dirty="0" err="1" smtClean="0"/>
             <a:t>nmmintrin.h</a:t>
           </a:r>
           <a:r>
-            <a:rPr lang="fr-FR" dirty="0" smtClean="0"/>
+            <a:rPr lang="fr-FR" sz="1100" dirty="0" smtClean="0"/>
             <a:t>&gt;</a:t>
           </a:r>
-          <a:endParaRPr lang="fr-FR" dirty="0"/>
+          <a:endParaRPr lang="fr-FR" sz="1100" dirty="0"/>
         </a:p>
       </dgm:t>
     </dgm:pt>
@@ -3324,7 +3324,7 @@
         <a:bodyPr/>
         <a:lstStyle/>
         <a:p>
-          <a:endParaRPr lang="fr-FR"/>
+          <a:endParaRPr lang="fr-FR" sz="2400"/>
         </a:p>
       </dgm:t>
     </dgm:pt>
@@ -3335,22 +3335,22 @@
         <a:bodyPr/>
         <a:lstStyle/>
         <a:p>
-          <a:endParaRPr lang="fr-FR"/>
+          <a:endParaRPr lang="fr-FR" sz="2400"/>
         </a:p>
       </dgm:t>
     </dgm:pt>
     <dgm:pt modelId="{7FB48465-CB60-4F4A-9F22-2FE607EE2DD7}">
-      <dgm:prSet phldrT="[Texte]"/>
+      <dgm:prSet phldrT="[Texte]" custT="1"/>
       <dgm:spPr/>
       <dgm:t>
         <a:bodyPr/>
         <a:lstStyle/>
         <a:p>
           <a:r>
-            <a:rPr lang="fr-FR" dirty="0" smtClean="0"/>
+            <a:rPr lang="fr-FR" sz="1100" dirty="0" smtClean="0"/>
             <a:t>AVX</a:t>
           </a:r>
-          <a:endParaRPr lang="fr-FR" dirty="0"/>
+          <a:endParaRPr lang="fr-FR" sz="1100" dirty="0"/>
         </a:p>
       </dgm:t>
     </dgm:pt>
@@ -3361,7 +3361,7 @@
         <a:bodyPr/>
         <a:lstStyle/>
         <a:p>
-          <a:endParaRPr lang="fr-FR"/>
+          <a:endParaRPr lang="fr-FR" sz="2400"/>
         </a:p>
       </dgm:t>
     </dgm:pt>
@@ -3372,38 +3372,38 @@
         <a:bodyPr/>
         <a:lstStyle/>
         <a:p>
-          <a:endParaRPr lang="fr-FR"/>
+          <a:endParaRPr lang="fr-FR" sz="2400"/>
         </a:p>
       </dgm:t>
     </dgm:pt>
     <dgm:pt modelId="{CA6A59EE-028A-4D25-B81A-72A86C1C9E8C}">
-      <dgm:prSet phldrT="[Texte]"/>
+      <dgm:prSet phldrT="[Texte]" custT="1"/>
       <dgm:spPr/>
       <dgm:t>
         <a:bodyPr/>
         <a:lstStyle/>
         <a:p>
           <a:r>
-            <a:rPr lang="fr-FR" dirty="0" smtClean="0"/>
+            <a:rPr lang="fr-FR" sz="1100" dirty="0" smtClean="0"/>
             <a:t>#</a:t>
           </a:r>
           <a:r>
-            <a:rPr lang="fr-FR" dirty="0" err="1" smtClean="0"/>
+            <a:rPr lang="fr-FR" sz="1100" dirty="0" err="1" smtClean="0"/>
             <a:t>include</a:t>
           </a:r>
           <a:r>
-            <a:rPr lang="fr-FR" dirty="0" smtClean="0"/>
+            <a:rPr lang="fr-FR" sz="1100" dirty="0" smtClean="0"/>
             <a:t> &lt;</a:t>
           </a:r>
           <a:r>
-            <a:rPr lang="fr-FR" dirty="0" err="1" smtClean="0"/>
+            <a:rPr lang="fr-FR" sz="1100" dirty="0" err="1" smtClean="0"/>
             <a:t>immintrin.h</a:t>
           </a:r>
           <a:r>
-            <a:rPr lang="fr-FR" dirty="0" smtClean="0"/>
+            <a:rPr lang="fr-FR" sz="1100" dirty="0" smtClean="0"/>
             <a:t>&gt;</a:t>
           </a:r>
-          <a:endParaRPr lang="fr-FR" dirty="0"/>
+          <a:endParaRPr lang="fr-FR" sz="1100" dirty="0"/>
         </a:p>
       </dgm:t>
     </dgm:pt>
@@ -3414,7 +3414,7 @@
         <a:bodyPr/>
         <a:lstStyle/>
         <a:p>
-          <a:endParaRPr lang="fr-FR"/>
+          <a:endParaRPr lang="fr-FR" sz="2400"/>
         </a:p>
       </dgm:t>
     </dgm:pt>
@@ -3425,22 +3425,22 @@
         <a:bodyPr/>
         <a:lstStyle/>
         <a:p>
-          <a:endParaRPr lang="fr-FR"/>
+          <a:endParaRPr lang="fr-FR" sz="2400"/>
         </a:p>
       </dgm:t>
     </dgm:pt>
     <dgm:pt modelId="{24A13988-573B-4BF0-ACF3-483E15D66050}">
-      <dgm:prSet phldrT="[Texte]"/>
+      <dgm:prSet phldrT="[Texte]" custT="1"/>
       <dgm:spPr/>
       <dgm:t>
         <a:bodyPr/>
         <a:lstStyle/>
         <a:p>
           <a:r>
-            <a:rPr lang="fr-FR" dirty="0" smtClean="0"/>
+            <a:rPr lang="fr-FR" sz="1100" dirty="0" smtClean="0"/>
             <a:t>SSE 4.2</a:t>
           </a:r>
-          <a:endParaRPr lang="fr-FR" dirty="0"/>
+          <a:endParaRPr lang="fr-FR" sz="1100" dirty="0"/>
         </a:p>
       </dgm:t>
     </dgm:pt>
@@ -3451,7 +3451,7 @@
         <a:bodyPr/>
         <a:lstStyle/>
         <a:p>
-          <a:endParaRPr lang="fr-FR"/>
+          <a:endParaRPr lang="fr-FR" sz="2400"/>
         </a:p>
       </dgm:t>
     </dgm:pt>
@@ -3462,38 +3462,38 @@
         <a:bodyPr/>
         <a:lstStyle/>
         <a:p>
-          <a:endParaRPr lang="fr-FR"/>
+          <a:endParaRPr lang="fr-FR" sz="2400"/>
         </a:p>
       </dgm:t>
     </dgm:pt>
     <dgm:pt modelId="{B4F967E3-0228-4670-830E-1929C95E51D0}">
-      <dgm:prSet phldrT="[Texte]"/>
+      <dgm:prSet phldrT="[Texte]" custT="1"/>
       <dgm:spPr/>
       <dgm:t>
         <a:bodyPr/>
         <a:lstStyle/>
         <a:p>
           <a:r>
-            <a:rPr lang="fr-FR" dirty="0" smtClean="0"/>
+            <a:rPr lang="fr-FR" sz="1100" dirty="0" smtClean="0"/>
             <a:t>#</a:t>
           </a:r>
           <a:r>
-            <a:rPr lang="fr-FR" dirty="0" err="1" smtClean="0"/>
+            <a:rPr lang="fr-FR" sz="1100" dirty="0" err="1" smtClean="0"/>
             <a:t>include</a:t>
           </a:r>
           <a:r>
-            <a:rPr lang="fr-FR" dirty="0" smtClean="0"/>
+            <a:rPr lang="fr-FR" sz="1100" dirty="0" smtClean="0"/>
             <a:t> &lt;</a:t>
           </a:r>
           <a:r>
-            <a:rPr lang="fr-FR" dirty="0" err="1" smtClean="0"/>
+            <a:rPr lang="fr-FR" sz="1100" dirty="0" err="1" smtClean="0"/>
             <a:t>xmmintrin.h</a:t>
           </a:r>
           <a:r>
-            <a:rPr lang="fr-FR" dirty="0" smtClean="0"/>
+            <a:rPr lang="fr-FR" sz="1100" dirty="0" smtClean="0"/>
             <a:t>&gt;</a:t>
           </a:r>
-          <a:endParaRPr lang="fr-FR" dirty="0"/>
+          <a:endParaRPr lang="fr-FR" sz="1100" dirty="0"/>
         </a:p>
       </dgm:t>
     </dgm:pt>
@@ -3504,7 +3504,7 @@
         <a:bodyPr/>
         <a:lstStyle/>
         <a:p>
-          <a:endParaRPr lang="fr-FR"/>
+          <a:endParaRPr lang="fr-FR" sz="2400"/>
         </a:p>
       </dgm:t>
     </dgm:pt>
@@ -3515,22 +3515,22 @@
         <a:bodyPr/>
         <a:lstStyle/>
         <a:p>
-          <a:endParaRPr lang="fr-FR"/>
+          <a:endParaRPr lang="fr-FR" sz="2400"/>
         </a:p>
       </dgm:t>
     </dgm:pt>
     <dgm:pt modelId="{5F6D3526-B276-4CCB-93A7-01DE3F888460}">
-      <dgm:prSet phldrT="[Texte]"/>
+      <dgm:prSet phldrT="[Texte]" custT="1"/>
       <dgm:spPr/>
       <dgm:t>
         <a:bodyPr/>
         <a:lstStyle/>
         <a:p>
           <a:r>
-            <a:rPr lang="fr-FR" dirty="0" smtClean="0"/>
+            <a:rPr lang="fr-FR" sz="1100" dirty="0" smtClean="0"/>
             <a:t>__m64</a:t>
           </a:r>
-          <a:endParaRPr lang="fr-FR" dirty="0"/>
+          <a:endParaRPr lang="fr-FR" sz="1100" dirty="0"/>
         </a:p>
       </dgm:t>
     </dgm:pt>
@@ -3541,7 +3541,7 @@
         <a:bodyPr/>
         <a:lstStyle/>
         <a:p>
-          <a:endParaRPr lang="fr-FR"/>
+          <a:endParaRPr lang="fr-FR" sz="2400"/>
         </a:p>
       </dgm:t>
     </dgm:pt>
@@ -3552,22 +3552,22 @@
         <a:bodyPr/>
         <a:lstStyle/>
         <a:p>
-          <a:endParaRPr lang="fr-FR"/>
+          <a:endParaRPr lang="fr-FR" sz="2400"/>
         </a:p>
       </dgm:t>
     </dgm:pt>
     <dgm:pt modelId="{8AA7FDD4-ACD3-4C80-A711-1BDD6182A7AA}">
-      <dgm:prSet phldrT="[Texte]"/>
+      <dgm:prSet phldrT="[Texte]" custT="1"/>
       <dgm:spPr/>
       <dgm:t>
         <a:bodyPr/>
         <a:lstStyle/>
         <a:p>
           <a:r>
-            <a:rPr lang="fr-FR" dirty="0" smtClean="0"/>
+            <a:rPr lang="fr-FR" sz="1100" dirty="0" smtClean="0"/>
             <a:t>__m128</a:t>
           </a:r>
-          <a:endParaRPr lang="fr-FR" dirty="0"/>
+          <a:endParaRPr lang="fr-FR" sz="1100" dirty="0"/>
         </a:p>
       </dgm:t>
     </dgm:pt>
@@ -3578,7 +3578,7 @@
         <a:bodyPr/>
         <a:lstStyle/>
         <a:p>
-          <a:endParaRPr lang="fr-FR"/>
+          <a:endParaRPr lang="fr-FR" sz="2400"/>
         </a:p>
       </dgm:t>
     </dgm:pt>
@@ -3589,22 +3589,22 @@
         <a:bodyPr/>
         <a:lstStyle/>
         <a:p>
-          <a:endParaRPr lang="fr-FR"/>
+          <a:endParaRPr lang="fr-FR" sz="2400"/>
         </a:p>
       </dgm:t>
     </dgm:pt>
     <dgm:pt modelId="{4921D539-66E2-44C0-8D28-1F38FDD6C139}">
-      <dgm:prSet phldrT="[Texte]"/>
+      <dgm:prSet phldrT="[Texte]" custT="1"/>
       <dgm:spPr/>
       <dgm:t>
         <a:bodyPr/>
         <a:lstStyle/>
         <a:p>
           <a:r>
-            <a:rPr lang="fr-FR" dirty="0" smtClean="0"/>
+            <a:rPr lang="fr-FR" sz="1100" dirty="0" smtClean="0"/>
             <a:t>__m128</a:t>
           </a:r>
-          <a:endParaRPr lang="fr-FR" dirty="0"/>
+          <a:endParaRPr lang="fr-FR" sz="1100" dirty="0"/>
         </a:p>
       </dgm:t>
     </dgm:pt>
@@ -3615,7 +3615,7 @@
         <a:bodyPr/>
         <a:lstStyle/>
         <a:p>
-          <a:endParaRPr lang="fr-FR"/>
+          <a:endParaRPr lang="fr-FR" sz="2400"/>
         </a:p>
       </dgm:t>
     </dgm:pt>
@@ -3626,22 +3626,22 @@
         <a:bodyPr/>
         <a:lstStyle/>
         <a:p>
-          <a:endParaRPr lang="fr-FR"/>
+          <a:endParaRPr lang="fr-FR" sz="2400"/>
         </a:p>
       </dgm:t>
     </dgm:pt>
     <dgm:pt modelId="{107AADBE-CE03-47C0-BD38-F74648C639F6}">
-      <dgm:prSet phldrT="[Texte]"/>
+      <dgm:prSet phldrT="[Texte]" custT="1"/>
       <dgm:spPr/>
       <dgm:t>
         <a:bodyPr/>
         <a:lstStyle/>
         <a:p>
           <a:r>
-            <a:rPr lang="fr-FR" dirty="0" smtClean="0"/>
+            <a:rPr lang="fr-FR" sz="1100" dirty="0" smtClean="0"/>
             <a:t>__m256</a:t>
           </a:r>
-          <a:endParaRPr lang="fr-FR" dirty="0"/>
+          <a:endParaRPr lang="fr-FR" sz="1100" dirty="0"/>
         </a:p>
       </dgm:t>
     </dgm:pt>
@@ -3652,7 +3652,7 @@
         <a:bodyPr/>
         <a:lstStyle/>
         <a:p>
-          <a:endParaRPr lang="fr-FR"/>
+          <a:endParaRPr lang="fr-FR" sz="2400"/>
         </a:p>
       </dgm:t>
     </dgm:pt>
@@ -3663,22 +3663,22 @@
         <a:bodyPr/>
         <a:lstStyle/>
         <a:p>
-          <a:endParaRPr lang="fr-FR"/>
+          <a:endParaRPr lang="fr-FR" sz="2400"/>
         </a:p>
       </dgm:t>
     </dgm:pt>
     <dgm:pt modelId="{4DE1D20B-AA20-4A35-95D1-672577440572}">
-      <dgm:prSet phldrT="[Texte]"/>
+      <dgm:prSet phldrT="[Texte]" custT="1"/>
       <dgm:spPr/>
       <dgm:t>
         <a:bodyPr/>
         <a:lstStyle/>
         <a:p>
           <a:r>
-            <a:rPr lang="fr-FR" dirty="0" smtClean="0"/>
+            <a:rPr lang="fr-FR" sz="1100" dirty="0" smtClean="0"/>
             <a:t>AVX 512</a:t>
           </a:r>
-          <a:endParaRPr lang="fr-FR" dirty="0"/>
+          <a:endParaRPr lang="fr-FR" sz="1100" dirty="0"/>
         </a:p>
       </dgm:t>
     </dgm:pt>
@@ -3689,7 +3689,7 @@
         <a:bodyPr/>
         <a:lstStyle/>
         <a:p>
-          <a:endParaRPr lang="fr-FR"/>
+          <a:endParaRPr lang="fr-FR" sz="2400"/>
         </a:p>
       </dgm:t>
     </dgm:pt>
@@ -3700,38 +3700,38 @@
         <a:bodyPr/>
         <a:lstStyle/>
         <a:p>
-          <a:endParaRPr lang="fr-FR"/>
+          <a:endParaRPr lang="fr-FR" sz="2400"/>
         </a:p>
       </dgm:t>
     </dgm:pt>
     <dgm:pt modelId="{7F3DAB40-37DA-4EFA-B678-080349F3328B}">
-      <dgm:prSet phldrT="[Texte]"/>
+      <dgm:prSet phldrT="[Texte]" custT="1"/>
       <dgm:spPr/>
       <dgm:t>
         <a:bodyPr/>
         <a:lstStyle/>
         <a:p>
           <a:r>
-            <a:rPr lang="fr-FR" dirty="0" smtClean="0"/>
+            <a:rPr lang="fr-FR" sz="1100" dirty="0" smtClean="0"/>
             <a:t>#</a:t>
           </a:r>
           <a:r>
-            <a:rPr lang="fr-FR" dirty="0" err="1" smtClean="0"/>
+            <a:rPr lang="fr-FR" sz="1100" dirty="0" err="1" smtClean="0"/>
             <a:t>include</a:t>
           </a:r>
           <a:r>
-            <a:rPr lang="fr-FR" dirty="0" smtClean="0"/>
+            <a:rPr lang="fr-FR" sz="1100" dirty="0" smtClean="0"/>
             <a:t> &lt;</a:t>
           </a:r>
           <a:r>
-            <a:rPr lang="fr-FR" dirty="0" err="1" smtClean="0"/>
+            <a:rPr lang="fr-FR" sz="1100" dirty="0" err="1" smtClean="0"/>
             <a:t>immintrin.h</a:t>
           </a:r>
           <a:r>
-            <a:rPr lang="fr-FR" dirty="0" smtClean="0"/>
+            <a:rPr lang="fr-FR" sz="1100" dirty="0" smtClean="0"/>
             <a:t>&gt;</a:t>
           </a:r>
-          <a:endParaRPr lang="fr-FR" dirty="0"/>
+          <a:endParaRPr lang="fr-FR" sz="1100" dirty="0"/>
         </a:p>
       </dgm:t>
     </dgm:pt>
@@ -3742,7 +3742,7 @@
         <a:bodyPr/>
         <a:lstStyle/>
         <a:p>
-          <a:endParaRPr lang="fr-FR"/>
+          <a:endParaRPr lang="fr-FR" sz="2400"/>
         </a:p>
       </dgm:t>
     </dgm:pt>
@@ -3753,22 +3753,22 @@
         <a:bodyPr/>
         <a:lstStyle/>
         <a:p>
-          <a:endParaRPr lang="fr-FR"/>
+          <a:endParaRPr lang="fr-FR" sz="2400"/>
         </a:p>
       </dgm:t>
     </dgm:pt>
     <dgm:pt modelId="{23ECEC6F-C9CF-4152-8105-028DB30A9748}">
-      <dgm:prSet phldrT="[Texte]"/>
+      <dgm:prSet phldrT="[Texte]" custT="1"/>
       <dgm:spPr/>
       <dgm:t>
         <a:bodyPr/>
         <a:lstStyle/>
         <a:p>
           <a:r>
-            <a:rPr lang="fr-FR" dirty="0" smtClean="0"/>
+            <a:rPr lang="fr-FR" sz="1100" dirty="0" smtClean="0"/>
             <a:t>__m512</a:t>
           </a:r>
-          <a:endParaRPr lang="fr-FR" dirty="0"/>
+          <a:endParaRPr lang="fr-FR" sz="1100" dirty="0"/>
         </a:p>
       </dgm:t>
     </dgm:pt>
@@ -3779,7 +3779,7 @@
         <a:bodyPr/>
         <a:lstStyle/>
         <a:p>
-          <a:endParaRPr lang="fr-FR"/>
+          <a:endParaRPr lang="fr-FR" sz="2400"/>
         </a:p>
       </dgm:t>
     </dgm:pt>
@@ -3790,22 +3790,22 @@
         <a:bodyPr/>
         <a:lstStyle/>
         <a:p>
-          <a:endParaRPr lang="fr-FR"/>
+          <a:endParaRPr lang="fr-FR" sz="2400"/>
         </a:p>
       </dgm:t>
     </dgm:pt>
     <dgm:pt modelId="{A70C3617-FB3A-4F0A-8C93-1BDADB191673}">
-      <dgm:prSet phldrT="[Texte]"/>
+      <dgm:prSet phldrT="[Texte]" custT="1"/>
       <dgm:spPr/>
       <dgm:t>
         <a:bodyPr/>
         <a:lstStyle/>
         <a:p>
           <a:r>
-            <a:rPr lang="fr-FR" dirty="0" smtClean="0"/>
+            <a:rPr lang="fr-FR" sz="1100" dirty="0" smtClean="0"/>
             <a:t>_mm_&lt;op&gt;_&lt;type&gt;</a:t>
           </a:r>
-          <a:endParaRPr lang="fr-FR" dirty="0"/>
+          <a:endParaRPr lang="fr-FR" sz="1100" dirty="0"/>
         </a:p>
       </dgm:t>
     </dgm:pt>
@@ -3816,7 +3816,7 @@
         <a:bodyPr/>
         <a:lstStyle/>
         <a:p>
-          <a:endParaRPr lang="fr-FR"/>
+          <a:endParaRPr lang="fr-FR" sz="2400"/>
         </a:p>
       </dgm:t>
     </dgm:pt>
@@ -3827,22 +3827,22 @@
         <a:bodyPr/>
         <a:lstStyle/>
         <a:p>
-          <a:endParaRPr lang="fr-FR"/>
+          <a:endParaRPr lang="fr-FR" sz="2400"/>
         </a:p>
       </dgm:t>
     </dgm:pt>
     <dgm:pt modelId="{C80FD98B-00B7-410E-BB59-EE159DD4B9EC}">
-      <dgm:prSet phldrT="[Texte]"/>
+      <dgm:prSet phldrT="[Texte]" custT="1"/>
       <dgm:spPr/>
       <dgm:t>
         <a:bodyPr/>
         <a:lstStyle/>
         <a:p>
           <a:r>
-            <a:rPr lang="fr-FR" smtClean="0"/>
+            <a:rPr lang="fr-FR" sz="1100" smtClean="0"/>
             <a:t>_mm_&lt;op&gt;_&lt;type&gt;</a:t>
           </a:r>
-          <a:endParaRPr lang="fr-FR" dirty="0"/>
+          <a:endParaRPr lang="fr-FR" sz="1100" dirty="0"/>
         </a:p>
       </dgm:t>
     </dgm:pt>
@@ -3853,7 +3853,7 @@
         <a:bodyPr/>
         <a:lstStyle/>
         <a:p>
-          <a:endParaRPr lang="fr-FR"/>
+          <a:endParaRPr lang="fr-FR" sz="2400"/>
         </a:p>
       </dgm:t>
     </dgm:pt>
@@ -3864,22 +3864,22 @@
         <a:bodyPr/>
         <a:lstStyle/>
         <a:p>
-          <a:endParaRPr lang="fr-FR"/>
+          <a:endParaRPr lang="fr-FR" sz="2400"/>
         </a:p>
       </dgm:t>
     </dgm:pt>
     <dgm:pt modelId="{279A7246-F386-4F49-85D8-0D9E682670B2}">
-      <dgm:prSet phldrT="[Texte]"/>
+      <dgm:prSet phldrT="[Texte]" custT="1"/>
       <dgm:spPr/>
       <dgm:t>
         <a:bodyPr/>
         <a:lstStyle/>
         <a:p>
           <a:r>
-            <a:rPr lang="fr-FR" smtClean="0"/>
+            <a:rPr lang="fr-FR" sz="1100" smtClean="0"/>
             <a:t>_mm_&lt;op&gt;_&lt;type&gt;</a:t>
           </a:r>
-          <a:endParaRPr lang="fr-FR" dirty="0"/>
+          <a:endParaRPr lang="fr-FR" sz="1100" dirty="0"/>
         </a:p>
       </dgm:t>
     </dgm:pt>
@@ -3890,7 +3890,7 @@
         <a:bodyPr/>
         <a:lstStyle/>
         <a:p>
-          <a:endParaRPr lang="fr-FR"/>
+          <a:endParaRPr lang="fr-FR" sz="2400"/>
         </a:p>
       </dgm:t>
     </dgm:pt>
@@ -3901,22 +3901,22 @@
         <a:bodyPr/>
         <a:lstStyle/>
         <a:p>
-          <a:endParaRPr lang="fr-FR"/>
+          <a:endParaRPr lang="fr-FR" sz="2400"/>
         </a:p>
       </dgm:t>
     </dgm:pt>
     <dgm:pt modelId="{F4E01DE8-495E-4B4D-9592-2EF309B471D3}">
-      <dgm:prSet phldrT="[Texte]"/>
+      <dgm:prSet phldrT="[Texte]" custT="1"/>
       <dgm:spPr/>
       <dgm:t>
         <a:bodyPr/>
         <a:lstStyle/>
         <a:p>
           <a:r>
-            <a:rPr lang="fr-FR" dirty="0" smtClean="0"/>
+            <a:rPr lang="fr-FR" sz="1100" dirty="0" smtClean="0"/>
             <a:t>_mm256_&lt;op&gt;_&lt;type&gt;</a:t>
           </a:r>
-          <a:endParaRPr lang="fr-FR" dirty="0"/>
+          <a:endParaRPr lang="fr-FR" sz="1100" dirty="0"/>
         </a:p>
       </dgm:t>
     </dgm:pt>
@@ -3927,7 +3927,7 @@
         <a:bodyPr/>
         <a:lstStyle/>
         <a:p>
-          <a:endParaRPr lang="fr-FR"/>
+          <a:endParaRPr lang="fr-FR" sz="2400"/>
         </a:p>
       </dgm:t>
     </dgm:pt>
@@ -3938,22 +3938,22 @@
         <a:bodyPr/>
         <a:lstStyle/>
         <a:p>
-          <a:endParaRPr lang="fr-FR"/>
+          <a:endParaRPr lang="fr-FR" sz="2400"/>
         </a:p>
       </dgm:t>
     </dgm:pt>
     <dgm:pt modelId="{A2C54F4F-F4CE-42A1-9C0E-D5768782134A}">
-      <dgm:prSet phldrT="[Texte]"/>
+      <dgm:prSet phldrT="[Texte]" custT="1"/>
       <dgm:spPr/>
       <dgm:t>
         <a:bodyPr/>
         <a:lstStyle/>
         <a:p>
           <a:r>
-            <a:rPr lang="fr-FR" dirty="0" smtClean="0"/>
+            <a:rPr lang="fr-FR" sz="1100" dirty="0" smtClean="0"/>
             <a:t>_mm512_&lt;op&gt;_&lt;type&gt;</a:t>
           </a:r>
-          <a:endParaRPr lang="fr-FR" dirty="0"/>
+          <a:endParaRPr lang="fr-FR" sz="1100" dirty="0"/>
         </a:p>
       </dgm:t>
     </dgm:pt>
@@ -3964,7 +3964,7 @@
         <a:bodyPr/>
         <a:lstStyle/>
         <a:p>
-          <a:endParaRPr lang="fr-FR"/>
+          <a:endParaRPr lang="fr-FR" sz="2400"/>
         </a:p>
       </dgm:t>
     </dgm:pt>
@@ -3975,7 +3975,7 @@
         <a:bodyPr/>
         <a:lstStyle/>
         <a:p>
-          <a:endParaRPr lang="fr-FR"/>
+          <a:endParaRPr lang="fr-FR" sz="2400"/>
         </a:p>
       </dgm:t>
     </dgm:pt>
@@ -4121,7 +4121,7 @@
       <dgm:spPr/>
     </dgm:pt>
     <dgm:pt modelId="{31C3884A-4D99-4D77-BF5E-FB3ADDBA5703}" type="pres">
-      <dgm:prSet presAssocID="{7FB48465-CB60-4F4A-9F22-2FE607EE2DD7}" presName="parTx" presStyleLbl="alignNode1" presStyleIdx="3" presStyleCnt="5">
+      <dgm:prSet presAssocID="{7FB48465-CB60-4F4A-9F22-2FE607EE2DD7}" presName="parTx" presStyleLbl="alignNode1" presStyleIdx="3" presStyleCnt="5" custScaleX="107361">
         <dgm:presLayoutVars>
           <dgm:chMax val="0"/>
           <dgm:chPref val="0"/>
@@ -4138,7 +4138,7 @@
       </dgm:t>
     </dgm:pt>
     <dgm:pt modelId="{321E9A37-1BCE-4A8E-9AF7-C169FE77A2BA}" type="pres">
-      <dgm:prSet presAssocID="{7FB48465-CB60-4F4A-9F22-2FE607EE2DD7}" presName="desTx" presStyleLbl="alignAccFollowNode1" presStyleIdx="3" presStyleCnt="5">
+      <dgm:prSet presAssocID="{7FB48465-CB60-4F4A-9F22-2FE607EE2DD7}" presName="desTx" presStyleLbl="alignAccFollowNode1" presStyleIdx="3" presStyleCnt="5" custScaleX="108023">
         <dgm:presLayoutVars>
           <dgm:bulletEnabled val="1"/>
         </dgm:presLayoutVars>
@@ -4161,7 +4161,7 @@
       <dgm:spPr/>
     </dgm:pt>
     <dgm:pt modelId="{A4C02861-8224-454B-BCF9-64B514439E5F}" type="pres">
-      <dgm:prSet presAssocID="{4DE1D20B-AA20-4A35-95D1-672577440572}" presName="parTx" presStyleLbl="alignNode1" presStyleIdx="4" presStyleCnt="5">
+      <dgm:prSet presAssocID="{4DE1D20B-AA20-4A35-95D1-672577440572}" presName="parTx" presStyleLbl="alignNode1" presStyleIdx="4" presStyleCnt="5" custScaleX="106509">
         <dgm:presLayoutVars>
           <dgm:chMax val="0"/>
           <dgm:chPref val="0"/>
@@ -4178,7 +4178,7 @@
       </dgm:t>
     </dgm:pt>
     <dgm:pt modelId="{A36900FC-E23F-43BE-8D4D-C7D103BEFEFD}" type="pres">
-      <dgm:prSet presAssocID="{4DE1D20B-AA20-4A35-95D1-672577440572}" presName="desTx" presStyleLbl="alignAccFollowNode1" presStyleIdx="4" presStyleCnt="5">
+      <dgm:prSet presAssocID="{4DE1D20B-AA20-4A35-95D1-672577440572}" presName="desTx" presStyleLbl="alignAccFollowNode1" presStyleIdx="4" presStyleCnt="5" custScaleX="107365">
         <dgm:presLayoutVars>
           <dgm:bulletEnabled val="1"/>
         </dgm:presLayoutVars>
@@ -5678,8 +5678,8 @@
       </dsp:nvSpPr>
       <dsp:spPr>
         <a:xfrm>
-          <a:off x="3960" y="514488"/>
-          <a:ext cx="1518077" cy="288000"/>
+          <a:off x="9162" y="361146"/>
+          <a:ext cx="1479951" cy="242122"/>
         </a:xfrm>
         <a:prstGeom prst="rect">
           <a:avLst/>
@@ -5720,12 +5720,12 @@
         </a:fontRef>
       </dsp:style>
       <dsp:txBody>
-        <a:bodyPr spcFirstLastPara="0" vert="horz" wrap="square" lIns="71120" tIns="40640" rIns="71120" bIns="40640" numCol="1" spcCol="1270" anchor="ctr" anchorCtr="0">
+        <a:bodyPr spcFirstLastPara="0" vert="horz" wrap="square" lIns="78232" tIns="44704" rIns="78232" bIns="44704" numCol="1" spcCol="1270" anchor="ctr" anchorCtr="0">
           <a:noAutofit/>
         </a:bodyPr>
         <a:lstStyle/>
         <a:p>
-          <a:pPr lvl="0" algn="ctr" defTabSz="444500">
+          <a:pPr lvl="0" algn="ctr" defTabSz="488950">
             <a:lnSpc>
               <a:spcPct val="90000"/>
             </a:lnSpc>
@@ -5737,15 +5737,15 @@
             </a:spcAft>
           </a:pPr>
           <a:r>
-            <a:rPr lang="fr-FR" sz="1000" kern="1200" dirty="0" smtClean="0"/>
+            <a:rPr lang="fr-FR" sz="1100" kern="1200" dirty="0" smtClean="0"/>
             <a:t>MMX</a:t>
           </a:r>
-          <a:endParaRPr lang="fr-FR" sz="1000" kern="1200" dirty="0"/>
+          <a:endParaRPr lang="fr-FR" sz="1100" kern="1200" dirty="0"/>
         </a:p>
       </dsp:txBody>
       <dsp:txXfrm>
-        <a:off x="3960" y="514488"/>
-        <a:ext cx="1518077" cy="288000"/>
+        <a:off x="9162" y="361146"/>
+        <a:ext cx="1479951" cy="242122"/>
       </dsp:txXfrm>
     </dsp:sp>
     <dsp:sp modelId="{3F6B54CC-3CCC-4701-B521-A7A6637149C8}">
@@ -5755,8 +5755,8 @@
       </dsp:nvSpPr>
       <dsp:spPr>
         <a:xfrm>
-          <a:off x="3960" y="802488"/>
-          <a:ext cx="1518077" cy="576449"/>
+          <a:off x="9162" y="603268"/>
+          <a:ext cx="1479951" cy="929010"/>
         </a:xfrm>
         <a:prstGeom prst="rect">
           <a:avLst/>
@@ -5799,12 +5799,12 @@
         <a:fontRef idx="minor"/>
       </dsp:style>
       <dsp:txBody>
-        <a:bodyPr spcFirstLastPara="0" vert="horz" wrap="square" lIns="53340" tIns="53340" rIns="71120" bIns="80010" numCol="1" spcCol="1270" anchor="t" anchorCtr="0">
+        <a:bodyPr spcFirstLastPara="0" vert="horz" wrap="square" lIns="58674" tIns="58674" rIns="78232" bIns="88011" numCol="1" spcCol="1270" anchor="t" anchorCtr="0">
           <a:noAutofit/>
         </a:bodyPr>
         <a:lstStyle/>
         <a:p>
-          <a:pPr marL="57150" lvl="1" indent="-57150" algn="l" defTabSz="444500">
+          <a:pPr marL="57150" lvl="1" indent="-57150" algn="l" defTabSz="488950">
             <a:lnSpc>
               <a:spcPct val="90000"/>
             </a:lnSpc>
@@ -5817,29 +5817,29 @@
             <a:buChar char="••"/>
           </a:pPr>
           <a:r>
-            <a:rPr lang="fr-FR" sz="1000" kern="1200" dirty="0" smtClean="0"/>
+            <a:rPr lang="fr-FR" sz="1100" kern="1200" dirty="0" smtClean="0"/>
             <a:t>#</a:t>
           </a:r>
           <a:r>
-            <a:rPr lang="fr-FR" sz="1000" kern="1200" dirty="0" err="1" smtClean="0"/>
+            <a:rPr lang="fr-FR" sz="1100" kern="1200" dirty="0" err="1" smtClean="0"/>
             <a:t>include</a:t>
           </a:r>
           <a:r>
-            <a:rPr lang="fr-FR" sz="1000" kern="1200" dirty="0" smtClean="0"/>
+            <a:rPr lang="fr-FR" sz="1100" kern="1200" dirty="0" smtClean="0"/>
             <a:t> &lt;</a:t>
           </a:r>
           <a:r>
-            <a:rPr lang="fr-FR" sz="1000" kern="1200" dirty="0" err="1" smtClean="0"/>
+            <a:rPr lang="fr-FR" sz="1100" kern="1200" dirty="0" err="1" smtClean="0"/>
             <a:t>mmintrin.h</a:t>
           </a:r>
           <a:r>
-            <a:rPr lang="fr-FR" sz="1000" kern="1200" dirty="0" smtClean="0"/>
+            <a:rPr lang="fr-FR" sz="1100" kern="1200" dirty="0" smtClean="0"/>
             <a:t>&gt;</a:t>
           </a:r>
-          <a:endParaRPr lang="fr-FR" sz="1000" kern="1200" dirty="0"/>
+          <a:endParaRPr lang="fr-FR" sz="1100" kern="1200" dirty="0"/>
         </a:p>
         <a:p>
-          <a:pPr marL="57150" lvl="1" indent="-57150" algn="l" defTabSz="444500">
+          <a:pPr marL="57150" lvl="1" indent="-57150" algn="l" defTabSz="488950">
             <a:lnSpc>
               <a:spcPct val="90000"/>
             </a:lnSpc>
@@ -5852,13 +5852,13 @@
             <a:buChar char="••"/>
           </a:pPr>
           <a:r>
-            <a:rPr lang="fr-FR" sz="1000" kern="1200" dirty="0" smtClean="0"/>
+            <a:rPr lang="fr-FR" sz="1100" kern="1200" dirty="0" smtClean="0"/>
             <a:t>__m64</a:t>
           </a:r>
-          <a:endParaRPr lang="fr-FR" sz="1000" kern="1200" dirty="0"/>
+          <a:endParaRPr lang="fr-FR" sz="1100" kern="1200" dirty="0"/>
         </a:p>
         <a:p>
-          <a:pPr marL="57150" lvl="1" indent="-57150" algn="l" defTabSz="444500">
+          <a:pPr marL="57150" lvl="1" indent="-57150" algn="l" defTabSz="488950">
             <a:lnSpc>
               <a:spcPct val="90000"/>
             </a:lnSpc>
@@ -5871,15 +5871,15 @@
             <a:buChar char="••"/>
           </a:pPr>
           <a:r>
-            <a:rPr lang="fr-FR" sz="1000" kern="1200" dirty="0" smtClean="0"/>
+            <a:rPr lang="fr-FR" sz="1100" kern="1200" dirty="0" smtClean="0"/>
             <a:t>_mm_&lt;op&gt;_&lt;type&gt;</a:t>
           </a:r>
-          <a:endParaRPr lang="fr-FR" sz="1000" kern="1200" dirty="0"/>
+          <a:endParaRPr lang="fr-FR" sz="1100" kern="1200" dirty="0"/>
         </a:p>
       </dsp:txBody>
       <dsp:txXfrm>
-        <a:off x="3960" y="802488"/>
-        <a:ext cx="1518077" cy="576449"/>
+        <a:off x="9162" y="603268"/>
+        <a:ext cx="1479951" cy="929010"/>
       </dsp:txXfrm>
     </dsp:sp>
     <dsp:sp modelId="{7858E022-B775-4B1F-92C0-7F2AA3968DB2}">
@@ -5889,8 +5889,8 @@
       </dsp:nvSpPr>
       <dsp:spPr>
         <a:xfrm>
-          <a:off x="1734568" y="514488"/>
-          <a:ext cx="1518077" cy="288000"/>
+          <a:off x="1696307" y="361146"/>
+          <a:ext cx="1479951" cy="242122"/>
         </a:xfrm>
         <a:prstGeom prst="rect">
           <a:avLst/>
@@ -5931,12 +5931,12 @@
         </a:fontRef>
       </dsp:style>
       <dsp:txBody>
-        <a:bodyPr spcFirstLastPara="0" vert="horz" wrap="square" lIns="71120" tIns="40640" rIns="71120" bIns="40640" numCol="1" spcCol="1270" anchor="ctr" anchorCtr="0">
+        <a:bodyPr spcFirstLastPara="0" vert="horz" wrap="square" lIns="78232" tIns="44704" rIns="78232" bIns="44704" numCol="1" spcCol="1270" anchor="ctr" anchorCtr="0">
           <a:noAutofit/>
         </a:bodyPr>
         <a:lstStyle/>
         <a:p>
-          <a:pPr lvl="0" algn="ctr" defTabSz="444500">
+          <a:pPr lvl="0" algn="ctr" defTabSz="488950">
             <a:lnSpc>
               <a:spcPct val="90000"/>
             </a:lnSpc>
@@ -5948,15 +5948,15 @@
             </a:spcAft>
           </a:pPr>
           <a:r>
-            <a:rPr lang="fr-FR" sz="1000" kern="1200" dirty="0" smtClean="0"/>
+            <a:rPr lang="fr-FR" sz="1100" kern="1200" dirty="0" smtClean="0"/>
             <a:t>SSE</a:t>
           </a:r>
-          <a:endParaRPr lang="fr-FR" sz="1000" kern="1200" dirty="0"/>
+          <a:endParaRPr lang="fr-FR" sz="1100" kern="1200" dirty="0"/>
         </a:p>
       </dsp:txBody>
       <dsp:txXfrm>
-        <a:off x="1734568" y="514488"/>
-        <a:ext cx="1518077" cy="288000"/>
+        <a:off x="1696307" y="361146"/>
+        <a:ext cx="1479951" cy="242122"/>
       </dsp:txXfrm>
     </dsp:sp>
     <dsp:sp modelId="{4A5039EC-B53F-455D-97A3-5A2CA67B9418}">
@@ -5966,8 +5966,8 @@
       </dsp:nvSpPr>
       <dsp:spPr>
         <a:xfrm>
-          <a:off x="1734568" y="802488"/>
-          <a:ext cx="1518077" cy="576449"/>
+          <a:off x="1696307" y="603268"/>
+          <a:ext cx="1479951" cy="929010"/>
         </a:xfrm>
         <a:prstGeom prst="rect">
           <a:avLst/>
@@ -6010,12 +6010,12 @@
         <a:fontRef idx="minor"/>
       </dsp:style>
       <dsp:txBody>
-        <a:bodyPr spcFirstLastPara="0" vert="horz" wrap="square" lIns="53340" tIns="53340" rIns="71120" bIns="80010" numCol="1" spcCol="1270" anchor="t" anchorCtr="0">
+        <a:bodyPr spcFirstLastPara="0" vert="horz" wrap="square" lIns="58674" tIns="58674" rIns="78232" bIns="88011" numCol="1" spcCol="1270" anchor="t" anchorCtr="0">
           <a:noAutofit/>
         </a:bodyPr>
         <a:lstStyle/>
         <a:p>
-          <a:pPr marL="57150" lvl="1" indent="-57150" algn="l" defTabSz="444500">
+          <a:pPr marL="57150" lvl="1" indent="-57150" algn="l" defTabSz="488950">
             <a:lnSpc>
               <a:spcPct val="90000"/>
             </a:lnSpc>
@@ -6028,29 +6028,29 @@
             <a:buChar char="••"/>
           </a:pPr>
           <a:r>
-            <a:rPr lang="fr-FR" sz="1000" kern="1200" dirty="0" smtClean="0"/>
+            <a:rPr lang="fr-FR" sz="1100" kern="1200" dirty="0" smtClean="0"/>
             <a:t>#</a:t>
           </a:r>
           <a:r>
-            <a:rPr lang="fr-FR" sz="1000" kern="1200" dirty="0" err="1" smtClean="0"/>
+            <a:rPr lang="fr-FR" sz="1100" kern="1200" dirty="0" err="1" smtClean="0"/>
             <a:t>include</a:t>
           </a:r>
           <a:r>
-            <a:rPr lang="fr-FR" sz="1000" kern="1200" dirty="0" smtClean="0"/>
+            <a:rPr lang="fr-FR" sz="1100" kern="1200" dirty="0" smtClean="0"/>
             <a:t> &lt;</a:t>
           </a:r>
           <a:r>
-            <a:rPr lang="fr-FR" sz="1000" kern="1200" dirty="0" err="1" smtClean="0"/>
+            <a:rPr lang="fr-FR" sz="1100" kern="1200" dirty="0" err="1" smtClean="0"/>
             <a:t>xmmintrin.h</a:t>
           </a:r>
           <a:r>
-            <a:rPr lang="fr-FR" sz="1000" kern="1200" dirty="0" smtClean="0"/>
+            <a:rPr lang="fr-FR" sz="1100" kern="1200" dirty="0" smtClean="0"/>
             <a:t>&gt;</a:t>
           </a:r>
-          <a:endParaRPr lang="fr-FR" sz="1000" kern="1200" dirty="0"/>
+          <a:endParaRPr lang="fr-FR" sz="1100" kern="1200" dirty="0"/>
         </a:p>
         <a:p>
-          <a:pPr marL="57150" lvl="1" indent="-57150" algn="l" defTabSz="444500">
+          <a:pPr marL="57150" lvl="1" indent="-57150" algn="l" defTabSz="488950">
             <a:lnSpc>
               <a:spcPct val="90000"/>
             </a:lnSpc>
@@ -6063,13 +6063,13 @@
             <a:buChar char="••"/>
           </a:pPr>
           <a:r>
-            <a:rPr lang="fr-FR" sz="1000" kern="1200" dirty="0" smtClean="0"/>
+            <a:rPr lang="fr-FR" sz="1100" kern="1200" dirty="0" smtClean="0"/>
             <a:t>__m128</a:t>
           </a:r>
-          <a:endParaRPr lang="fr-FR" sz="1000" kern="1200" dirty="0"/>
+          <a:endParaRPr lang="fr-FR" sz="1100" kern="1200" dirty="0"/>
         </a:p>
         <a:p>
-          <a:pPr marL="57150" lvl="1" indent="-57150" algn="l" defTabSz="444500">
+          <a:pPr marL="57150" lvl="1" indent="-57150" algn="l" defTabSz="488950">
             <a:lnSpc>
               <a:spcPct val="90000"/>
             </a:lnSpc>
@@ -6082,15 +6082,15 @@
             <a:buChar char="••"/>
           </a:pPr>
           <a:r>
-            <a:rPr lang="fr-FR" sz="1000" kern="1200" smtClean="0"/>
+            <a:rPr lang="fr-FR" sz="1100" kern="1200" smtClean="0"/>
             <a:t>_mm_&lt;op&gt;_&lt;type&gt;</a:t>
           </a:r>
-          <a:endParaRPr lang="fr-FR" sz="1000" kern="1200" dirty="0"/>
+          <a:endParaRPr lang="fr-FR" sz="1100" kern="1200" dirty="0"/>
         </a:p>
       </dsp:txBody>
       <dsp:txXfrm>
-        <a:off x="1734568" y="802488"/>
-        <a:ext cx="1518077" cy="576449"/>
+        <a:off x="1696307" y="603268"/>
+        <a:ext cx="1479951" cy="929010"/>
       </dsp:txXfrm>
     </dsp:sp>
     <dsp:sp modelId="{3963E52C-55A3-42E3-B949-21F4A4E429AD}">
@@ -6100,8 +6100,8 @@
       </dsp:nvSpPr>
       <dsp:spPr>
         <a:xfrm>
-          <a:off x="3465176" y="514488"/>
-          <a:ext cx="1518077" cy="288000"/>
+          <a:off x="3383453" y="361146"/>
+          <a:ext cx="1479951" cy="242122"/>
         </a:xfrm>
         <a:prstGeom prst="rect">
           <a:avLst/>
@@ -6142,12 +6142,12 @@
         </a:fontRef>
       </dsp:style>
       <dsp:txBody>
-        <a:bodyPr spcFirstLastPara="0" vert="horz" wrap="square" lIns="71120" tIns="40640" rIns="71120" bIns="40640" numCol="1" spcCol="1270" anchor="ctr" anchorCtr="0">
+        <a:bodyPr spcFirstLastPara="0" vert="horz" wrap="square" lIns="78232" tIns="44704" rIns="78232" bIns="44704" numCol="1" spcCol="1270" anchor="ctr" anchorCtr="0">
           <a:noAutofit/>
         </a:bodyPr>
         <a:lstStyle/>
         <a:p>
-          <a:pPr lvl="0" algn="ctr" defTabSz="444500">
+          <a:pPr lvl="0" algn="ctr" defTabSz="488950">
             <a:lnSpc>
               <a:spcPct val="90000"/>
             </a:lnSpc>
@@ -6159,15 +6159,15 @@
             </a:spcAft>
           </a:pPr>
           <a:r>
-            <a:rPr lang="fr-FR" sz="1000" kern="1200" dirty="0" smtClean="0"/>
+            <a:rPr lang="fr-FR" sz="1100" kern="1200" dirty="0" smtClean="0"/>
             <a:t>SSE 4.2</a:t>
           </a:r>
-          <a:endParaRPr lang="fr-FR" sz="1000" kern="1200" dirty="0"/>
+          <a:endParaRPr lang="fr-FR" sz="1100" kern="1200" dirty="0"/>
         </a:p>
       </dsp:txBody>
       <dsp:txXfrm>
-        <a:off x="3465176" y="514488"/>
-        <a:ext cx="1518077" cy="288000"/>
+        <a:off x="3383453" y="361146"/>
+        <a:ext cx="1479951" cy="242122"/>
       </dsp:txXfrm>
     </dsp:sp>
     <dsp:sp modelId="{DD28E670-241B-405E-9AA4-14E15018651C}">
@@ -6177,8 +6177,8 @@
       </dsp:nvSpPr>
       <dsp:spPr>
         <a:xfrm>
-          <a:off x="3465176" y="802488"/>
-          <a:ext cx="1518077" cy="576449"/>
+          <a:off x="3383453" y="603268"/>
+          <a:ext cx="1479951" cy="929010"/>
         </a:xfrm>
         <a:prstGeom prst="rect">
           <a:avLst/>
@@ -6221,12 +6221,12 @@
         <a:fontRef idx="minor"/>
       </dsp:style>
       <dsp:txBody>
-        <a:bodyPr spcFirstLastPara="0" vert="horz" wrap="square" lIns="53340" tIns="53340" rIns="71120" bIns="80010" numCol="1" spcCol="1270" anchor="t" anchorCtr="0">
+        <a:bodyPr spcFirstLastPara="0" vert="horz" wrap="square" lIns="58674" tIns="58674" rIns="78232" bIns="88011" numCol="1" spcCol="1270" anchor="t" anchorCtr="0">
           <a:noAutofit/>
         </a:bodyPr>
         <a:lstStyle/>
         <a:p>
-          <a:pPr marL="57150" lvl="1" indent="-57150" algn="l" defTabSz="444500">
+          <a:pPr marL="57150" lvl="1" indent="-57150" algn="l" defTabSz="488950">
             <a:lnSpc>
               <a:spcPct val="90000"/>
             </a:lnSpc>
@@ -6239,29 +6239,29 @@
             <a:buChar char="••"/>
           </a:pPr>
           <a:r>
-            <a:rPr lang="fr-FR" sz="1000" kern="1200" dirty="0" smtClean="0"/>
+            <a:rPr lang="fr-FR" sz="1100" kern="1200" dirty="0" smtClean="0"/>
             <a:t>#</a:t>
           </a:r>
           <a:r>
-            <a:rPr lang="fr-FR" sz="1000" kern="1200" dirty="0" err="1" smtClean="0"/>
+            <a:rPr lang="fr-FR" sz="1100" kern="1200" dirty="0" err="1" smtClean="0"/>
             <a:t>include</a:t>
           </a:r>
           <a:r>
-            <a:rPr lang="fr-FR" sz="1000" kern="1200" dirty="0" smtClean="0"/>
+            <a:rPr lang="fr-FR" sz="1100" kern="1200" dirty="0" smtClean="0"/>
             <a:t> &lt;</a:t>
           </a:r>
           <a:r>
-            <a:rPr lang="fr-FR" sz="1000" kern="1200" dirty="0" err="1" smtClean="0"/>
+            <a:rPr lang="fr-FR" sz="1100" kern="1200" dirty="0" err="1" smtClean="0"/>
             <a:t>nmmintrin.h</a:t>
           </a:r>
           <a:r>
-            <a:rPr lang="fr-FR" sz="1000" kern="1200" dirty="0" smtClean="0"/>
+            <a:rPr lang="fr-FR" sz="1100" kern="1200" dirty="0" smtClean="0"/>
             <a:t>&gt;</a:t>
           </a:r>
-          <a:endParaRPr lang="fr-FR" sz="1000" kern="1200" dirty="0"/>
+          <a:endParaRPr lang="fr-FR" sz="1100" kern="1200" dirty="0"/>
         </a:p>
         <a:p>
-          <a:pPr marL="57150" lvl="1" indent="-57150" algn="l" defTabSz="444500">
+          <a:pPr marL="57150" lvl="1" indent="-57150" algn="l" defTabSz="488950">
             <a:lnSpc>
               <a:spcPct val="90000"/>
             </a:lnSpc>
@@ -6274,13 +6274,13 @@
             <a:buChar char="••"/>
           </a:pPr>
           <a:r>
-            <a:rPr lang="fr-FR" sz="1000" kern="1200" dirty="0" smtClean="0"/>
+            <a:rPr lang="fr-FR" sz="1100" kern="1200" dirty="0" smtClean="0"/>
             <a:t>__m128</a:t>
           </a:r>
-          <a:endParaRPr lang="fr-FR" sz="1000" kern="1200" dirty="0"/>
+          <a:endParaRPr lang="fr-FR" sz="1100" kern="1200" dirty="0"/>
         </a:p>
         <a:p>
-          <a:pPr marL="57150" lvl="1" indent="-57150" algn="l" defTabSz="444500">
+          <a:pPr marL="57150" lvl="1" indent="-57150" algn="l" defTabSz="488950">
             <a:lnSpc>
               <a:spcPct val="90000"/>
             </a:lnSpc>
@@ -6293,15 +6293,15 @@
             <a:buChar char="••"/>
           </a:pPr>
           <a:r>
-            <a:rPr lang="fr-FR" sz="1000" kern="1200" smtClean="0"/>
+            <a:rPr lang="fr-FR" sz="1100" kern="1200" smtClean="0"/>
             <a:t>_mm_&lt;op&gt;_&lt;type&gt;</a:t>
           </a:r>
-          <a:endParaRPr lang="fr-FR" sz="1000" kern="1200" dirty="0"/>
+          <a:endParaRPr lang="fr-FR" sz="1100" kern="1200" dirty="0"/>
         </a:p>
       </dsp:txBody>
       <dsp:txXfrm>
-        <a:off x="3465176" y="802488"/>
-        <a:ext cx="1518077" cy="576449"/>
+        <a:off x="3383453" y="603268"/>
+        <a:ext cx="1479951" cy="929010"/>
       </dsp:txXfrm>
     </dsp:sp>
     <dsp:sp modelId="{31C3884A-4D99-4D77-BF5E-FB3ADDBA5703}">
@@ -6311,8 +6311,8 @@
       </dsp:nvSpPr>
       <dsp:spPr>
         <a:xfrm>
-          <a:off x="5195785" y="514488"/>
-          <a:ext cx="1518077" cy="288000"/>
+          <a:off x="5075496" y="361146"/>
+          <a:ext cx="1588891" cy="242122"/>
         </a:xfrm>
         <a:prstGeom prst="rect">
           <a:avLst/>
@@ -6353,12 +6353,12 @@
         </a:fontRef>
       </dsp:style>
       <dsp:txBody>
-        <a:bodyPr spcFirstLastPara="0" vert="horz" wrap="square" lIns="71120" tIns="40640" rIns="71120" bIns="40640" numCol="1" spcCol="1270" anchor="ctr" anchorCtr="0">
+        <a:bodyPr spcFirstLastPara="0" vert="horz" wrap="square" lIns="78232" tIns="44704" rIns="78232" bIns="44704" numCol="1" spcCol="1270" anchor="ctr" anchorCtr="0">
           <a:noAutofit/>
         </a:bodyPr>
         <a:lstStyle/>
         <a:p>
-          <a:pPr lvl="0" algn="ctr" defTabSz="444500">
+          <a:pPr lvl="0" algn="ctr" defTabSz="488950">
             <a:lnSpc>
               <a:spcPct val="90000"/>
             </a:lnSpc>
@@ -6370,15 +6370,15 @@
             </a:spcAft>
           </a:pPr>
           <a:r>
-            <a:rPr lang="fr-FR" sz="1000" kern="1200" dirty="0" smtClean="0"/>
+            <a:rPr lang="fr-FR" sz="1100" kern="1200" dirty="0" smtClean="0"/>
             <a:t>AVX</a:t>
           </a:r>
-          <a:endParaRPr lang="fr-FR" sz="1000" kern="1200" dirty="0"/>
+          <a:endParaRPr lang="fr-FR" sz="1100" kern="1200" dirty="0"/>
         </a:p>
       </dsp:txBody>
       <dsp:txXfrm>
-        <a:off x="5195785" y="514488"/>
-        <a:ext cx="1518077" cy="288000"/>
+        <a:off x="5075496" y="361146"/>
+        <a:ext cx="1588891" cy="242122"/>
       </dsp:txXfrm>
     </dsp:sp>
     <dsp:sp modelId="{321E9A37-1BCE-4A8E-9AF7-C169FE77A2BA}">
@@ -6388,8 +6388,8 @@
       </dsp:nvSpPr>
       <dsp:spPr>
         <a:xfrm>
-          <a:off x="5195785" y="802488"/>
-          <a:ext cx="1518077" cy="576449"/>
+          <a:off x="5070598" y="603268"/>
+          <a:ext cx="1598688" cy="929010"/>
         </a:xfrm>
         <a:prstGeom prst="rect">
           <a:avLst/>
@@ -6432,12 +6432,12 @@
         <a:fontRef idx="minor"/>
       </dsp:style>
       <dsp:txBody>
-        <a:bodyPr spcFirstLastPara="0" vert="horz" wrap="square" lIns="53340" tIns="53340" rIns="71120" bIns="80010" numCol="1" spcCol="1270" anchor="t" anchorCtr="0">
+        <a:bodyPr spcFirstLastPara="0" vert="horz" wrap="square" lIns="58674" tIns="58674" rIns="78232" bIns="88011" numCol="1" spcCol="1270" anchor="t" anchorCtr="0">
           <a:noAutofit/>
         </a:bodyPr>
         <a:lstStyle/>
         <a:p>
-          <a:pPr marL="57150" lvl="1" indent="-57150" algn="l" defTabSz="444500">
+          <a:pPr marL="57150" lvl="1" indent="-57150" algn="l" defTabSz="488950">
             <a:lnSpc>
               <a:spcPct val="90000"/>
             </a:lnSpc>
@@ -6450,29 +6450,29 @@
             <a:buChar char="••"/>
           </a:pPr>
           <a:r>
-            <a:rPr lang="fr-FR" sz="1000" kern="1200" dirty="0" smtClean="0"/>
+            <a:rPr lang="fr-FR" sz="1100" kern="1200" dirty="0" smtClean="0"/>
             <a:t>#</a:t>
           </a:r>
           <a:r>
-            <a:rPr lang="fr-FR" sz="1000" kern="1200" dirty="0" err="1" smtClean="0"/>
+            <a:rPr lang="fr-FR" sz="1100" kern="1200" dirty="0" err="1" smtClean="0"/>
             <a:t>include</a:t>
           </a:r>
           <a:r>
-            <a:rPr lang="fr-FR" sz="1000" kern="1200" dirty="0" smtClean="0"/>
+            <a:rPr lang="fr-FR" sz="1100" kern="1200" dirty="0" smtClean="0"/>
             <a:t> &lt;</a:t>
           </a:r>
           <a:r>
-            <a:rPr lang="fr-FR" sz="1000" kern="1200" dirty="0" err="1" smtClean="0"/>
+            <a:rPr lang="fr-FR" sz="1100" kern="1200" dirty="0" err="1" smtClean="0"/>
             <a:t>immintrin.h</a:t>
           </a:r>
           <a:r>
-            <a:rPr lang="fr-FR" sz="1000" kern="1200" dirty="0" smtClean="0"/>
+            <a:rPr lang="fr-FR" sz="1100" kern="1200" dirty="0" smtClean="0"/>
             <a:t>&gt;</a:t>
           </a:r>
-          <a:endParaRPr lang="fr-FR" sz="1000" kern="1200" dirty="0"/>
+          <a:endParaRPr lang="fr-FR" sz="1100" kern="1200" dirty="0"/>
         </a:p>
         <a:p>
-          <a:pPr marL="57150" lvl="1" indent="-57150" algn="l" defTabSz="444500">
+          <a:pPr marL="57150" lvl="1" indent="-57150" algn="l" defTabSz="488950">
             <a:lnSpc>
               <a:spcPct val="90000"/>
             </a:lnSpc>
@@ -6485,13 +6485,13 @@
             <a:buChar char="••"/>
           </a:pPr>
           <a:r>
-            <a:rPr lang="fr-FR" sz="1000" kern="1200" dirty="0" smtClean="0"/>
+            <a:rPr lang="fr-FR" sz="1100" kern="1200" dirty="0" smtClean="0"/>
             <a:t>__m256</a:t>
           </a:r>
-          <a:endParaRPr lang="fr-FR" sz="1000" kern="1200" dirty="0"/>
+          <a:endParaRPr lang="fr-FR" sz="1100" kern="1200" dirty="0"/>
         </a:p>
         <a:p>
-          <a:pPr marL="57150" lvl="1" indent="-57150" algn="l" defTabSz="444500">
+          <a:pPr marL="57150" lvl="1" indent="-57150" algn="l" defTabSz="488950">
             <a:lnSpc>
               <a:spcPct val="90000"/>
             </a:lnSpc>
@@ -6504,15 +6504,15 @@
             <a:buChar char="••"/>
           </a:pPr>
           <a:r>
-            <a:rPr lang="fr-FR" sz="1000" kern="1200" dirty="0" smtClean="0"/>
+            <a:rPr lang="fr-FR" sz="1100" kern="1200" dirty="0" smtClean="0"/>
             <a:t>_mm256_&lt;op&gt;_&lt;type&gt;</a:t>
           </a:r>
-          <a:endParaRPr lang="fr-FR" sz="1000" kern="1200" dirty="0"/>
+          <a:endParaRPr lang="fr-FR" sz="1100" kern="1200" dirty="0"/>
         </a:p>
       </dsp:txBody>
       <dsp:txXfrm>
-        <a:off x="5195785" y="802488"/>
-        <a:ext cx="1518077" cy="576449"/>
+        <a:off x="5070598" y="603268"/>
+        <a:ext cx="1598688" cy="929010"/>
       </dsp:txXfrm>
     </dsp:sp>
     <dsp:sp modelId="{A4C02861-8224-454B-BCF9-64B514439E5F}">
@@ -6522,8 +6522,8 @@
       </dsp:nvSpPr>
       <dsp:spPr>
         <a:xfrm>
-          <a:off x="6926393" y="514488"/>
-          <a:ext cx="1518077" cy="288000"/>
+          <a:off x="6882814" y="361146"/>
+          <a:ext cx="1576281" cy="242122"/>
         </a:xfrm>
         <a:prstGeom prst="rect">
           <a:avLst/>
@@ -6564,12 +6564,12 @@
         </a:fontRef>
       </dsp:style>
       <dsp:txBody>
-        <a:bodyPr spcFirstLastPara="0" vert="horz" wrap="square" lIns="71120" tIns="40640" rIns="71120" bIns="40640" numCol="1" spcCol="1270" anchor="ctr" anchorCtr="0">
+        <a:bodyPr spcFirstLastPara="0" vert="horz" wrap="square" lIns="78232" tIns="44704" rIns="78232" bIns="44704" numCol="1" spcCol="1270" anchor="ctr" anchorCtr="0">
           <a:noAutofit/>
         </a:bodyPr>
         <a:lstStyle/>
         <a:p>
-          <a:pPr lvl="0" algn="ctr" defTabSz="444500">
+          <a:pPr lvl="0" algn="ctr" defTabSz="488950">
             <a:lnSpc>
               <a:spcPct val="90000"/>
             </a:lnSpc>
@@ -6581,15 +6581,15 @@
             </a:spcAft>
           </a:pPr>
           <a:r>
-            <a:rPr lang="fr-FR" sz="1000" kern="1200" dirty="0" smtClean="0"/>
+            <a:rPr lang="fr-FR" sz="1100" kern="1200" dirty="0" smtClean="0"/>
             <a:t>AVX 512</a:t>
           </a:r>
-          <a:endParaRPr lang="fr-FR" sz="1000" kern="1200" dirty="0"/>
+          <a:endParaRPr lang="fr-FR" sz="1100" kern="1200" dirty="0"/>
         </a:p>
       </dsp:txBody>
       <dsp:txXfrm>
-        <a:off x="6926393" y="514488"/>
-        <a:ext cx="1518077" cy="288000"/>
+        <a:off x="6882814" y="361146"/>
+        <a:ext cx="1576281" cy="242122"/>
       </dsp:txXfrm>
     </dsp:sp>
     <dsp:sp modelId="{A36900FC-E23F-43BE-8D4D-C7D103BEFEFD}">
@@ -6599,8 +6599,8 @@
       </dsp:nvSpPr>
       <dsp:spPr>
         <a:xfrm>
-          <a:off x="6926393" y="802488"/>
-          <a:ext cx="1518077" cy="576449"/>
+          <a:off x="6876479" y="603268"/>
+          <a:ext cx="1588950" cy="929010"/>
         </a:xfrm>
         <a:prstGeom prst="rect">
           <a:avLst/>
@@ -6643,12 +6643,12 @@
         <a:fontRef idx="minor"/>
       </dsp:style>
       <dsp:txBody>
-        <a:bodyPr spcFirstLastPara="0" vert="horz" wrap="square" lIns="53340" tIns="53340" rIns="71120" bIns="80010" numCol="1" spcCol="1270" anchor="t" anchorCtr="0">
+        <a:bodyPr spcFirstLastPara="0" vert="horz" wrap="square" lIns="58674" tIns="58674" rIns="78232" bIns="88011" numCol="1" spcCol="1270" anchor="t" anchorCtr="0">
           <a:noAutofit/>
         </a:bodyPr>
         <a:lstStyle/>
         <a:p>
-          <a:pPr marL="57150" lvl="1" indent="-57150" algn="l" defTabSz="444500">
+          <a:pPr marL="57150" lvl="1" indent="-57150" algn="l" defTabSz="488950">
             <a:lnSpc>
               <a:spcPct val="90000"/>
             </a:lnSpc>
@@ -6661,29 +6661,29 @@
             <a:buChar char="••"/>
           </a:pPr>
           <a:r>
-            <a:rPr lang="fr-FR" sz="1000" kern="1200" dirty="0" smtClean="0"/>
+            <a:rPr lang="fr-FR" sz="1100" kern="1200" dirty="0" smtClean="0"/>
             <a:t>#</a:t>
           </a:r>
           <a:r>
-            <a:rPr lang="fr-FR" sz="1000" kern="1200" dirty="0" err="1" smtClean="0"/>
+            <a:rPr lang="fr-FR" sz="1100" kern="1200" dirty="0" err="1" smtClean="0"/>
             <a:t>include</a:t>
           </a:r>
           <a:r>
-            <a:rPr lang="fr-FR" sz="1000" kern="1200" dirty="0" smtClean="0"/>
+            <a:rPr lang="fr-FR" sz="1100" kern="1200" dirty="0" smtClean="0"/>
             <a:t> &lt;</a:t>
           </a:r>
           <a:r>
-            <a:rPr lang="fr-FR" sz="1000" kern="1200" dirty="0" err="1" smtClean="0"/>
+            <a:rPr lang="fr-FR" sz="1100" kern="1200" dirty="0" err="1" smtClean="0"/>
             <a:t>immintrin.h</a:t>
           </a:r>
           <a:r>
-            <a:rPr lang="fr-FR" sz="1000" kern="1200" dirty="0" smtClean="0"/>
+            <a:rPr lang="fr-FR" sz="1100" kern="1200" dirty="0" smtClean="0"/>
             <a:t>&gt;</a:t>
           </a:r>
-          <a:endParaRPr lang="fr-FR" sz="1000" kern="1200" dirty="0"/>
+          <a:endParaRPr lang="fr-FR" sz="1100" kern="1200" dirty="0"/>
         </a:p>
         <a:p>
-          <a:pPr marL="57150" lvl="1" indent="-57150" algn="l" defTabSz="444500">
+          <a:pPr marL="57150" lvl="1" indent="-57150" algn="l" defTabSz="488950">
             <a:lnSpc>
               <a:spcPct val="90000"/>
             </a:lnSpc>
@@ -6696,13 +6696,13 @@
             <a:buChar char="••"/>
           </a:pPr>
           <a:r>
-            <a:rPr lang="fr-FR" sz="1000" kern="1200" dirty="0" smtClean="0"/>
+            <a:rPr lang="fr-FR" sz="1100" kern="1200" dirty="0" smtClean="0"/>
             <a:t>__m512</a:t>
           </a:r>
-          <a:endParaRPr lang="fr-FR" sz="1000" kern="1200" dirty="0"/>
+          <a:endParaRPr lang="fr-FR" sz="1100" kern="1200" dirty="0"/>
         </a:p>
         <a:p>
-          <a:pPr marL="57150" lvl="1" indent="-57150" algn="l" defTabSz="444500">
+          <a:pPr marL="57150" lvl="1" indent="-57150" algn="l" defTabSz="488950">
             <a:lnSpc>
               <a:spcPct val="90000"/>
             </a:lnSpc>
@@ -6715,15 +6715,15 @@
             <a:buChar char="••"/>
           </a:pPr>
           <a:r>
-            <a:rPr lang="fr-FR" sz="1000" kern="1200" dirty="0" smtClean="0"/>
+            <a:rPr lang="fr-FR" sz="1100" kern="1200" dirty="0" smtClean="0"/>
             <a:t>_mm512_&lt;op&gt;_&lt;type&gt;</a:t>
           </a:r>
-          <a:endParaRPr lang="fr-FR" sz="1000" kern="1200" dirty="0"/>
+          <a:endParaRPr lang="fr-FR" sz="1100" kern="1200" dirty="0"/>
         </a:p>
       </dsp:txBody>
       <dsp:txXfrm>
-        <a:off x="6926393" y="802488"/>
-        <a:ext cx="1518077" cy="576449"/>
+        <a:off x="6876479" y="603268"/>
+        <a:ext cx="1588950" cy="929010"/>
       </dsp:txXfrm>
     </dsp:sp>
   </dsp:spTree>
@@ -13689,7 +13689,7 @@
             <a:pPr rtl="0"/>
             <a:fld id="{44067F72-4B43-4EB2-81AF-1356A084F97D}" type="datetime1">
               <a:rPr lang="fr-FR" smtClean="0"/>
-              <a:t>07/12/2020</a:t>
+              <a:t>09/02/2021</a:t>
             </a:fld>
             <a:endParaRPr lang="fr-FR"/>
           </a:p>
@@ -13871,7 +13871,7 @@
             <a:pPr rtl="0"/>
             <a:fld id="{18E2C9A5-1936-47C6-ADD2-56E91A3B7AD6}" type="datetime1">
               <a:rPr lang="fr-FR" noProof="0" smtClean="0"/>
-              <a:t>07/12/2020</a:t>
+              <a:t>09/02/2021</a:t>
             </a:fld>
             <a:endParaRPr lang="fr-FR" noProof="0"/>
           </a:p>
@@ -14263,6 +14263,97 @@
 </p:notes>
 </file>
 
+<file path=ppt/notesSlides/notesSlide10.xml><?xml version="1.0" encoding="utf-8"?>
+<p:notes xmlns:a="http://schemas.openxmlformats.org/drawingml/2006/main" xmlns:r="http://schemas.openxmlformats.org/officeDocument/2006/relationships" xmlns:p="http://schemas.openxmlformats.org/presentationml/2006/main">
+  <p:cSld>
+    <p:spTree>
+      <p:nvGrpSpPr>
+        <p:cNvPr id="1" name=""/>
+        <p:cNvGrpSpPr/>
+        <p:nvPr/>
+      </p:nvGrpSpPr>
+      <p:grpSpPr>
+        <a:xfrm>
+          <a:off x="0" y="0"/>
+          <a:ext cx="0" cy="0"/>
+          <a:chOff x="0" y="0"/>
+          <a:chExt cx="0" cy="0"/>
+        </a:xfrm>
+      </p:grpSpPr>
+      <p:sp>
+        <p:nvSpPr>
+          <p:cNvPr id="2" name="Espace réservé de l’image des diapositives 1"/>
+          <p:cNvSpPr>
+            <a:spLocks noGrp="1" noRot="1" noChangeAspect="1"/>
+          </p:cNvSpPr>
+          <p:nvPr>
+            <p:ph type="sldImg"/>
+          </p:nvPr>
+        </p:nvSpPr>
+        <p:spPr>
+          <a:xfrm>
+            <a:off x="960438" y="1143000"/>
+            <a:ext cx="4937125" cy="3086100"/>
+          </a:xfrm>
+        </p:spPr>
+      </p:sp>
+      <p:sp>
+        <p:nvSpPr>
+          <p:cNvPr id="3" name="Espace réservé des commentaires 2"/>
+          <p:cNvSpPr>
+            <a:spLocks noGrp="1"/>
+          </p:cNvSpPr>
+          <p:nvPr>
+            <p:ph type="body" idx="1"/>
+          </p:nvPr>
+        </p:nvSpPr>
+        <p:spPr/>
+        <p:txBody>
+          <a:bodyPr rtlCol="0"/>
+          <a:lstStyle/>
+          <a:p>
+            <a:pPr rtl="0"/>
+            <a:endParaRPr lang="fr-FR"/>
+          </a:p>
+        </p:txBody>
+      </p:sp>
+      <p:sp>
+        <p:nvSpPr>
+          <p:cNvPr id="4" name="Espace réservé du numéro de diapositive 3"/>
+          <p:cNvSpPr>
+            <a:spLocks noGrp="1"/>
+          </p:cNvSpPr>
+          <p:nvPr>
+            <p:ph type="sldNum" sz="quarter" idx="5"/>
+          </p:nvPr>
+        </p:nvSpPr>
+        <p:spPr/>
+        <p:txBody>
+          <a:bodyPr rtlCol="0"/>
+          <a:lstStyle/>
+          <a:p>
+            <a:pPr rtl="0"/>
+            <a:fld id="{C6B3AB32-59DF-41F1-9618-EDFBF5049629}" type="slidenum">
+              <a:rPr lang="fr-FR" smtClean="0"/>
+              <a:t>29</a:t>
+            </a:fld>
+            <a:endParaRPr lang="fr-FR"/>
+          </a:p>
+        </p:txBody>
+      </p:sp>
+    </p:spTree>
+    <p:extLst>
+      <p:ext uri="{BB962C8B-B14F-4D97-AF65-F5344CB8AC3E}">
+        <p14:creationId xmlns:p14="http://schemas.microsoft.com/office/powerpoint/2010/main" val="2059178600"/>
+      </p:ext>
+    </p:extLst>
+  </p:cSld>
+  <p:clrMapOvr>
+    <a:masterClrMapping/>
+  </p:clrMapOvr>
+</p:notes>
+</file>
+
 <file path=ppt/notesSlides/notesSlide2.xml><?xml version="1.0" encoding="utf-8"?>
 <p:notes xmlns:a="http://schemas.openxmlformats.org/drawingml/2006/main" xmlns:r="http://schemas.openxmlformats.org/officeDocument/2006/relationships" xmlns:p="http://schemas.openxmlformats.org/presentationml/2006/main">
   <p:cSld>
@@ -14802,7 +14893,7 @@
       </p:grpSpPr>
       <p:sp>
         <p:nvSpPr>
-          <p:cNvPr id="2" name="Espace réservé de l’image des diapositives 1"/>
+          <p:cNvPr id="2" name="Espace réservé de l'image des diapositives 1"/>
           <p:cNvSpPr>
             <a:spLocks noGrp="1" noRot="1" noChangeAspect="1"/>
           </p:cNvSpPr>
@@ -14810,16 +14901,11 @@
             <p:ph type="sldImg"/>
           </p:nvPr>
         </p:nvSpPr>
-        <p:spPr>
-          <a:xfrm>
-            <a:off x="960438" y="1143000"/>
-            <a:ext cx="4937125" cy="3086100"/>
-          </a:xfrm>
-        </p:spPr>
+        <p:spPr/>
       </p:sp>
       <p:sp>
         <p:nvSpPr>
-          <p:cNvPr id="3" name="Espace réservé des commentaires 2"/>
+          <p:cNvPr id="3" name="Espace réservé des notes 2"/>
           <p:cNvSpPr>
             <a:spLocks noGrp="1"/>
           </p:cNvSpPr>
@@ -14829,11 +14915,14 @@
         </p:nvSpPr>
         <p:spPr/>
         <p:txBody>
-          <a:bodyPr rtlCol="0"/>
+          <a:bodyPr/>
           <a:lstStyle/>
           <a:p>
-            <a:pPr rtl="0"/>
-            <a:endParaRPr lang="fr-FR"/>
+            <a:r>
+              <a:rPr lang="fr-FR" dirty="0" smtClean="0"/>
+              <a:t>Attention aux bornes !</a:t>
+            </a:r>
+            <a:endParaRPr lang="fr-FR" dirty="0"/>
           </a:p>
         </p:txBody>
       </p:sp>
@@ -14844,27 +14933,27 @@
             <a:spLocks noGrp="1"/>
           </p:cNvSpPr>
           <p:nvPr>
-            <p:ph type="sldNum" sz="quarter" idx="5"/>
+            <p:ph type="sldNum" sz="quarter" idx="10"/>
           </p:nvPr>
         </p:nvSpPr>
         <p:spPr/>
         <p:txBody>
-          <a:bodyPr rtlCol="0"/>
+          <a:bodyPr/>
           <a:lstStyle/>
           <a:p>
             <a:pPr rtl="0"/>
             <a:fld id="{C6B3AB32-59DF-41F1-9618-EDFBF5049629}" type="slidenum">
-              <a:rPr lang="fr-FR" smtClean="0"/>
-              <a:t>24</a:t>
+              <a:rPr lang="fr-FR" noProof="0" smtClean="0"/>
+              <a:t>20</a:t>
             </a:fld>
-            <a:endParaRPr lang="fr-FR"/>
+            <a:endParaRPr lang="fr-FR" noProof="0"/>
           </a:p>
         </p:txBody>
       </p:sp>
     </p:spTree>
     <p:extLst>
       <p:ext uri="{BB962C8B-B14F-4D97-AF65-F5344CB8AC3E}">
-        <p14:creationId xmlns:p14="http://schemas.microsoft.com/office/powerpoint/2010/main" val="3371797499"/>
+        <p14:creationId xmlns:p14="http://schemas.microsoft.com/office/powerpoint/2010/main" val="390284050"/>
       </p:ext>
     </p:extLst>
   </p:cSld>
@@ -14875,6 +14964,99 @@
 </file>
 
 <file path=ppt/notesSlides/notesSlide8.xml><?xml version="1.0" encoding="utf-8"?>
+<p:notes xmlns:a="http://schemas.openxmlformats.org/drawingml/2006/main" xmlns:r="http://schemas.openxmlformats.org/officeDocument/2006/relationships" xmlns:p="http://schemas.openxmlformats.org/presentationml/2006/main">
+  <p:cSld>
+    <p:spTree>
+      <p:nvGrpSpPr>
+        <p:cNvPr id="1" name=""/>
+        <p:cNvGrpSpPr/>
+        <p:nvPr/>
+      </p:nvGrpSpPr>
+      <p:grpSpPr>
+        <a:xfrm>
+          <a:off x="0" y="0"/>
+          <a:ext cx="0" cy="0"/>
+          <a:chOff x="0" y="0"/>
+          <a:chExt cx="0" cy="0"/>
+        </a:xfrm>
+      </p:grpSpPr>
+      <p:sp>
+        <p:nvSpPr>
+          <p:cNvPr id="2" name="Espace réservé de l'image des diapositives 1"/>
+          <p:cNvSpPr>
+            <a:spLocks noGrp="1" noRot="1" noChangeAspect="1"/>
+          </p:cNvSpPr>
+          <p:nvPr>
+            <p:ph type="sldImg"/>
+          </p:nvPr>
+        </p:nvSpPr>
+        <p:spPr/>
+      </p:sp>
+      <p:sp>
+        <p:nvSpPr>
+          <p:cNvPr id="3" name="Espace réservé des notes 2"/>
+          <p:cNvSpPr>
+            <a:spLocks noGrp="1"/>
+          </p:cNvSpPr>
+          <p:nvPr>
+            <p:ph type="body" idx="1"/>
+          </p:nvPr>
+        </p:nvSpPr>
+        <p:spPr/>
+        <p:txBody>
+          <a:bodyPr/>
+          <a:lstStyle/>
+          <a:p>
+            <a:r>
+              <a:rPr lang="fr-FR" dirty="0" smtClean="0"/>
+              <a:t>Faire</a:t>
+            </a:r>
+            <a:r>
+              <a:rPr lang="fr-FR" baseline="0" dirty="0" smtClean="0"/>
+              <a:t> 2 groupes</a:t>
+            </a:r>
+            <a:endParaRPr lang="fr-FR" dirty="0"/>
+          </a:p>
+        </p:txBody>
+      </p:sp>
+      <p:sp>
+        <p:nvSpPr>
+          <p:cNvPr id="4" name="Espace réservé du numéro de diapositive 3"/>
+          <p:cNvSpPr>
+            <a:spLocks noGrp="1"/>
+          </p:cNvSpPr>
+          <p:nvPr>
+            <p:ph type="sldNum" sz="quarter" idx="10"/>
+          </p:nvPr>
+        </p:nvSpPr>
+        <p:spPr/>
+        <p:txBody>
+          <a:bodyPr/>
+          <a:lstStyle/>
+          <a:p>
+            <a:pPr rtl="0"/>
+            <a:fld id="{C6B3AB32-59DF-41F1-9618-EDFBF5049629}" type="slidenum">
+              <a:rPr lang="fr-FR" noProof="0" smtClean="0"/>
+              <a:t>23</a:t>
+            </a:fld>
+            <a:endParaRPr lang="fr-FR" noProof="0"/>
+          </a:p>
+        </p:txBody>
+      </p:sp>
+    </p:spTree>
+    <p:extLst>
+      <p:ext uri="{BB962C8B-B14F-4D97-AF65-F5344CB8AC3E}">
+        <p14:creationId xmlns:p14="http://schemas.microsoft.com/office/powerpoint/2010/main" val="1108157722"/>
+      </p:ext>
+    </p:extLst>
+  </p:cSld>
+  <p:clrMapOvr>
+    <a:masterClrMapping/>
+  </p:clrMapOvr>
+</p:notes>
+</file>
+
+<file path=ppt/notesSlides/notesSlide9.xml><?xml version="1.0" encoding="utf-8"?>
 <p:notes xmlns:a="http://schemas.openxmlformats.org/drawingml/2006/main" xmlns:r="http://schemas.openxmlformats.org/officeDocument/2006/relationships" xmlns:p="http://schemas.openxmlformats.org/presentationml/2006/main">
   <p:cSld>
     <p:spTree>
@@ -14946,7 +15128,7 @@
             <a:pPr rtl="0"/>
             <a:fld id="{C6B3AB32-59DF-41F1-9618-EDFBF5049629}" type="slidenum">
               <a:rPr lang="fr-FR" smtClean="0"/>
-              <a:t>29</a:t>
+              <a:t>24</a:t>
             </a:fld>
             <a:endParaRPr lang="fr-FR"/>
           </a:p>
@@ -14955,7 +15137,7 @@
     </p:spTree>
     <p:extLst>
       <p:ext uri="{BB962C8B-B14F-4D97-AF65-F5344CB8AC3E}">
-        <p14:creationId xmlns:p14="http://schemas.microsoft.com/office/powerpoint/2010/main" val="2059178600"/>
+        <p14:creationId xmlns:p14="http://schemas.microsoft.com/office/powerpoint/2010/main" val="3371797499"/>
       </p:ext>
     </p:extLst>
   </p:cSld>
@@ -15211,7 +15393,7 @@
             <a:pPr rtl="0"/>
             <a:fld id="{0403CD74-91A7-4B71-B298-50645341EDD4}" type="datetime1">
               <a:rPr lang="fr-FR" noProof="0" smtClean="0"/>
-              <a:t>07/12/2020</a:t>
+              <a:t>09/02/2021</a:t>
             </a:fld>
             <a:endParaRPr lang="fr-FR" noProof="0"/>
           </a:p>
@@ -15477,7 +15659,7 @@
             <a:pPr rtl="0"/>
             <a:fld id="{77B509D1-F8C0-4CA0-858B-2AEDA726DA78}" type="datetime1">
               <a:rPr lang="fr-FR" noProof="0" smtClean="0"/>
-              <a:t>07/12/2020</a:t>
+              <a:t>09/02/2021</a:t>
             </a:fld>
             <a:endParaRPr lang="fr-FR" noProof="0"/>
           </a:p>
@@ -15716,7 +15898,7 @@
             <a:pPr rtl="0"/>
             <a:fld id="{BFAD2B5B-47C2-4EBB-964D-B5C3690B6DFC}" type="datetime1">
               <a:rPr lang="fr-FR" noProof="0" smtClean="0"/>
-              <a:t>07/12/2020</a:t>
+              <a:t>09/02/2021</a:t>
             </a:fld>
             <a:endParaRPr lang="fr-FR" noProof="0"/>
           </a:p>
@@ -15965,7 +16147,7 @@
             <a:pPr rtl="0"/>
             <a:fld id="{4284DE75-DF3C-46A1-8E6B-C01542896712}" type="datetime1">
               <a:rPr lang="fr-FR" noProof="0" smtClean="0"/>
-              <a:t>07/12/2020</a:t>
+              <a:t>09/02/2021</a:t>
             </a:fld>
             <a:endParaRPr lang="fr-FR" noProof="0" dirty="0"/>
           </a:p>
@@ -16284,7 +16466,7 @@
             <a:pPr rtl="0"/>
             <a:fld id="{80CB3D2D-45DD-496C-AA6C-A93FD66473E3}" type="datetime1">
               <a:rPr lang="fr-FR" noProof="0" smtClean="0"/>
-              <a:t>07/12/2020</a:t>
+              <a:t>09/02/2021</a:t>
             </a:fld>
             <a:endParaRPr lang="fr-FR" noProof="0"/>
           </a:p>
@@ -16595,7 +16777,7 @@
             <a:pPr rtl="0"/>
             <a:fld id="{EFB18253-55B0-414F-8F02-5F24D4FE0C41}" type="datetime1">
               <a:rPr lang="fr-FR" noProof="0" smtClean="0"/>
-              <a:t>07/12/2020</a:t>
+              <a:t>09/02/2021</a:t>
             </a:fld>
             <a:endParaRPr lang="fr-FR" noProof="0"/>
           </a:p>
@@ -17036,7 +17218,7 @@
             <a:pPr rtl="0"/>
             <a:fld id="{A3DF8B3A-A2CC-4133-9F37-93D6DD187088}" type="datetime1">
               <a:rPr lang="fr-FR" noProof="0" smtClean="0"/>
-              <a:t>07/12/2020</a:t>
+              <a:t>09/02/2021</a:t>
             </a:fld>
             <a:endParaRPr lang="fr-FR" noProof="0"/>
           </a:p>
@@ -17148,7 +17330,7 @@
             <a:pPr rtl="0"/>
             <a:fld id="{3A376707-662B-440F-A345-984A712059E4}" type="datetime1">
               <a:rPr lang="fr-FR" noProof="0" smtClean="0"/>
-              <a:t>07/12/2020</a:t>
+              <a:t>09/02/2021</a:t>
             </a:fld>
             <a:endParaRPr lang="fr-FR" noProof="0"/>
           </a:p>
@@ -17314,7 +17496,7 @@
             <a:pPr rtl="0"/>
             <a:fld id="{8467424E-3337-4E92-BEE1-F720AC49DD1E}" type="datetime1">
               <a:rPr lang="fr-FR" noProof="0" smtClean="0"/>
-              <a:t>07/12/2020</a:t>
+              <a:t>09/02/2021</a:t>
             </a:fld>
             <a:endParaRPr lang="fr-FR" noProof="0"/>
           </a:p>
@@ -17696,7 +17878,7 @@
             <a:pPr rtl="0"/>
             <a:fld id="{D6D64502-6BA4-4CC8-8A3D-2A27850A7A08}" type="datetime1">
               <a:rPr lang="fr-FR" noProof="0" smtClean="0"/>
-              <a:t>07/12/2020</a:t>
+              <a:t>09/02/2021</a:t>
             </a:fld>
             <a:endParaRPr lang="fr-FR" noProof="0"/>
           </a:p>
@@ -17989,7 +18171,7 @@
             <a:pPr rtl="0"/>
             <a:fld id="{01C10578-73C0-4732-A884-D24ACCC97C87}" type="datetime1">
               <a:rPr lang="fr-FR" noProof="0" smtClean="0"/>
-              <a:t>07/12/2020</a:t>
+              <a:t>09/02/2021</a:t>
             </a:fld>
             <a:endParaRPr lang="fr-FR" noProof="0"/>
           </a:p>
@@ -18204,7 +18386,7 @@
             <a:pPr rtl="0"/>
             <a:fld id="{A4C732EE-BF7E-4015-ABFF-6CDED879EEBC}" type="datetime1">
               <a:rPr lang="fr-FR" noProof="0" smtClean="0"/>
-              <a:t>07/12/2020</a:t>
+              <a:t>09/02/2021</a:t>
             </a:fld>
             <a:endParaRPr lang="fr-FR" noProof="0"/>
           </a:p>
@@ -18975,28 +19157,12 @@
               <a:t>Formation interne </a:t>
             </a:r>
             <a:r>
-              <a:rPr lang="fr-FR" dirty="0" err="1" smtClean="0">
+              <a:rPr lang="fr-FR" dirty="0" smtClean="0">
                 <a:solidFill>
                   <a:srgbClr val="7CEBFF"/>
                 </a:solidFill>
               </a:rPr>
               <a:t>scalian</a:t>
-            </a:r>
-            <a:r>
-              <a:rPr lang="fr-FR" dirty="0">
-                <a:solidFill>
-                  <a:srgbClr val="7CEBFF"/>
-                </a:solidFill>
-              </a:rPr>
-              <a:t> </a:t>
-            </a:r>
-            <a:r>
-              <a:rPr lang="fr-FR" smtClean="0">
-                <a:solidFill>
-                  <a:srgbClr val="7CEBFF"/>
-                </a:solidFill>
-              </a:rPr>
-              <a:t>les 7 et 8 décembre 2020</a:t>
             </a:r>
             <a:endParaRPr lang="fr-FR" dirty="0">
               <a:solidFill>
@@ -30609,9 +30775,21 @@
               <a:t>: </a:t>
             </a:r>
             <a:r>
-              <a:rPr lang="fr-FR" dirty="0"/>
-              <a:t>https://docs.microsoft.com/en-us/cpp/error-messages/tool-errors/vectorizer-and-parallelizer-messages?view=msvc-160</a:t>
-            </a:r>
+              <a:rPr lang="fr-FR" dirty="0">
+                <a:hlinkClick r:id="rId2"/>
+              </a:rPr>
+              <a:t>https://</a:t>
+            </a:r>
+            <a:r>
+              <a:rPr lang="fr-FR" dirty="0" smtClean="0">
+                <a:hlinkClick r:id="rId2"/>
+              </a:rPr>
+              <a:t>docs.microsoft.com/en-us/cpp/error-messages/tool-errors/vectorizer-and-parallelizer-messages?view=msvc-160</a:t>
+            </a:r>
+            <a:endParaRPr lang="fr-FR" dirty="0" smtClean="0"/>
+          </a:p>
+          <a:p>
+            <a:endParaRPr lang="fr-FR" dirty="0"/>
           </a:p>
           <a:p>
             <a:endParaRPr lang="fr-FR" dirty="0"/>
@@ -30799,7 +30977,7 @@
                 <a:avLst/>
               </a:prstGeom>
               <a:blipFill>
-                <a:blip r:embed="rId2"/>
+                <a:blip r:embed="rId3"/>
                 <a:stretch>
                   <a:fillRect l="-15385" t="-3960" r="-5128" b="-1980"/>
                 </a:stretch>
@@ -31101,7 +31279,7 @@
         </p:spPr>
         <p:txBody>
           <a:bodyPr lIns="90000" tIns="46800" rIns="90000" bIns="46800">
-            <a:normAutofit/>
+            <a:normAutofit lnSpcReduction="10000"/>
           </a:bodyPr>
           <a:lstStyle/>
           <a:p>
@@ -31302,17 +31480,30 @@
                 </a:solidFill>
                 <a:latin typeface="Arial Narrow"/>
               </a:rPr>
-              <a:t>Lorsque le compilateur ne veut  pas </a:t>
-            </a:r>
-            <a:r>
-              <a:rPr lang="fr-FR" spc="-1" dirty="0" err="1" smtClean="0">
+              <a:t>Lorsque le compilateur ne veut  pas vectoriser votre code malgré tous vos efforts</a:t>
+            </a:r>
+            <a:r>
+              <a:rPr lang="fr-FR" spc="-1" dirty="0" smtClean="0">
                 <a:solidFill>
                   <a:srgbClr val="0A3071"/>
                 </a:solidFill>
                 <a:latin typeface="Arial Narrow"/>
               </a:rPr>
-              <a:t>vectoriser</a:t>
-            </a:r>
+              <a:t>…</a:t>
+            </a:r>
+          </a:p>
+          <a:p>
+            <a:pPr marL="741600" lvl="1" indent="-284400">
+              <a:spcBef>
+                <a:spcPts val="448"/>
+              </a:spcBef>
+              <a:buClr>
+                <a:srgbClr val="FF950E"/>
+              </a:buClr>
+              <a:buSzPct val="45000"/>
+              <a:buFont typeface="Wingdings" charset="2"/>
+              <a:buChar char=""/>
+            </a:pPr>
             <a:r>
               <a:rPr lang="fr-FR" spc="-1" dirty="0" smtClean="0">
                 <a:solidFill>
@@ -31320,8 +31511,14 @@
                 </a:solidFill>
                 <a:latin typeface="Arial Narrow"/>
               </a:rPr>
-              <a:t> votre code malgré tous vos efforts…</a:t>
-            </a:r>
+              <a:t>Quand on veut s’assurer d’avoir un code vectorisé quelque soit le compilateur.</a:t>
+            </a:r>
+            <a:endParaRPr lang="fr-FR" spc="-1" dirty="0" smtClean="0">
+              <a:solidFill>
+                <a:srgbClr val="0A3071"/>
+              </a:solidFill>
+              <a:latin typeface="Arial Narrow"/>
+            </a:endParaRPr>
           </a:p>
         </p:txBody>
       </p:sp>
@@ -33456,14 +33653,14 @@
           <p:nvPr>
             <p:extLst>
               <p:ext uri="{D42A27DB-BD31-4B8C-83A1-F6EECF244321}">
-                <p14:modId xmlns:p14="http://schemas.microsoft.com/office/powerpoint/2010/main" val="315351987"/>
+                <p14:modId xmlns:p14="http://schemas.microsoft.com/office/powerpoint/2010/main" val="3702667877"/>
               </p:ext>
             </p:extLst>
           </p:nvPr>
         </p:nvGraphicFramePr>
         <p:xfrm>
           <a:off x="351692" y="1412482"/>
-          <a:ext cx="8448431" cy="1893426"/>
+          <a:ext cx="8474593" cy="1893426"/>
         </p:xfrm>
         <a:graphic>
           <a:graphicData uri="http://schemas.openxmlformats.org/drawingml/2006/diagram">
@@ -33479,7 +33676,7 @@
         </p:nvSpPr>
         <p:spPr>
           <a:xfrm>
-            <a:off x="351692" y="3305908"/>
+            <a:off x="678180" y="3647198"/>
             <a:ext cx="8642520" cy="2574760"/>
           </a:xfrm>
           <a:prstGeom prst="rect">
@@ -33507,7 +33704,7 @@
               <a:buChar char=""/>
             </a:pPr>
             <a:r>
-              <a:rPr lang="fr-FR" sz="1800" b="0" strike="noStrike" spc="-1" dirty="0" smtClean="0">
+              <a:rPr lang="fr-FR" sz="1600" b="0" strike="noStrike" spc="-1" dirty="0" smtClean="0">
                 <a:solidFill>
                   <a:srgbClr val="FF950E"/>
                 </a:solidFill>
@@ -33528,7 +33725,7 @@
               <a:buChar char="§"/>
             </a:pPr>
             <a:r>
-              <a:rPr lang="fr-FR" spc="-1" dirty="0">
+              <a:rPr lang="fr-FR" sz="1600" spc="-1" dirty="0">
                 <a:solidFill>
                   <a:srgbClr val="0A3071"/>
                 </a:solidFill>
@@ -33537,13 +33734,31 @@
               <a:t>_mm_max_epi32 </a:t>
             </a:r>
             <a:r>
-              <a:rPr lang="fr-FR" b="0" strike="noStrike" spc="-1" dirty="0" smtClean="0">
+              <a:rPr lang="fr-FR" sz="1600" b="0" strike="noStrike" spc="-1" dirty="0" smtClean="0">
                 <a:solidFill>
                   <a:srgbClr val="0A3071"/>
                 </a:solidFill>
                 <a:latin typeface="Arial Narrow"/>
               </a:rPr>
-              <a:t>	Calcule le max sur un vecteur de 4 entiers signés 32 bits (128 bits)</a:t>
+              <a:t>	</a:t>
+            </a:r>
+            <a:r>
+              <a:rPr lang="fr-FR" sz="1600" b="0" strike="noStrike" spc="-1" dirty="0" smtClean="0">
+                <a:solidFill>
+                  <a:srgbClr val="0A3071"/>
+                </a:solidFill>
+                <a:latin typeface="Arial Narrow"/>
+              </a:rPr>
+              <a:t>	Calcule </a:t>
+            </a:r>
+            <a:r>
+              <a:rPr lang="fr-FR" sz="1600" b="0" strike="noStrike" spc="-1" dirty="0" smtClean="0">
+                <a:solidFill>
+                  <a:srgbClr val="0A3071"/>
+                </a:solidFill>
+                <a:latin typeface="Arial Narrow"/>
+              </a:rPr>
+              <a:t>le max sur un vecteur de 4 entiers signés 32 bits (128 bits)</a:t>
             </a:r>
           </a:p>
           <a:p>
@@ -33558,7 +33773,7 @@
               <a:buChar char="§"/>
             </a:pPr>
             <a:r>
-              <a:rPr lang="fr-FR" b="0" strike="noStrike" spc="-1" dirty="0" smtClean="0">
+              <a:rPr lang="fr-FR" sz="1600" b="0" strike="noStrike" spc="-1" dirty="0" smtClean="0">
                 <a:solidFill>
                   <a:srgbClr val="0A3071"/>
                 </a:solidFill>
@@ -33567,7 +33782,7 @@
               <a:t>_</a:t>
             </a:r>
             <a:r>
-              <a:rPr lang="fr-FR" b="0" strike="noStrike" spc="-1" dirty="0" err="1">
+              <a:rPr lang="fr-FR" sz="1600" b="0" strike="noStrike" spc="-1" dirty="0" err="1">
                 <a:solidFill>
                   <a:srgbClr val="0A3071"/>
                 </a:solidFill>
@@ -33576,25 +33791,43 @@
               <a:t>mm_add_ps</a:t>
             </a:r>
             <a:r>
-              <a:rPr lang="fr-FR" b="0" strike="noStrike" spc="-1" dirty="0">
+              <a:rPr lang="fr-FR" sz="1600" b="0" strike="noStrike" spc="-1" dirty="0">
                 <a:solidFill>
                   <a:srgbClr val="0A3071"/>
                 </a:solidFill>
                 <a:latin typeface="Arial Narrow"/>
               </a:rPr>
-              <a:t>		Réalise une somme </a:t>
-            </a:r>
-            <a:r>
-              <a:rPr lang="fr-FR" b="0" strike="noStrike" spc="-1" dirty="0" smtClean="0">
+              <a:t>		</a:t>
+            </a:r>
+            <a:r>
+              <a:rPr lang="fr-FR" sz="1600" b="0" strike="noStrike" spc="-1" dirty="0" smtClean="0">
                 <a:solidFill>
                   <a:srgbClr val="0A3071"/>
                 </a:solidFill>
                 <a:latin typeface="Arial Narrow"/>
               </a:rPr>
+              <a:t>	Réalise </a:t>
+            </a:r>
+            <a:r>
+              <a:rPr lang="fr-FR" sz="1600" b="0" strike="noStrike" spc="-1" dirty="0">
+                <a:solidFill>
+                  <a:srgbClr val="0A3071"/>
+                </a:solidFill>
+                <a:latin typeface="Arial Narrow"/>
+              </a:rPr>
+              <a:t>une somme </a:t>
+            </a:r>
+            <a:r>
+              <a:rPr lang="fr-FR" sz="1600" b="0" strike="noStrike" spc="-1" dirty="0" smtClean="0">
+                <a:solidFill>
+                  <a:srgbClr val="0A3071"/>
+                </a:solidFill>
+                <a:latin typeface="Arial Narrow"/>
+              </a:rPr>
               <a:t>sur un vecteur de 4 </a:t>
             </a:r>
             <a:r>
-              <a:rPr lang="fr-FR" b="0" strike="noStrike" spc="-1" dirty="0" err="1" smtClean="0">
+              <a:rPr lang="fr-FR" sz="1600" b="0" strike="noStrike" spc="-1" dirty="0" err="1" smtClean="0">
                 <a:solidFill>
                   <a:srgbClr val="0A3071"/>
                 </a:solidFill>
@@ -33603,7 +33836,7 @@
               <a:t>float</a:t>
             </a:r>
             <a:r>
-              <a:rPr lang="fr-FR" b="0" strike="noStrike" spc="-1" dirty="0" smtClean="0">
+              <a:rPr lang="fr-FR" sz="1600" b="0" strike="noStrike" spc="-1" dirty="0" smtClean="0">
                 <a:solidFill>
                   <a:srgbClr val="0A3071"/>
                 </a:solidFill>
@@ -33624,7 +33857,7 @@
               <a:buChar char="§"/>
             </a:pPr>
             <a:r>
-              <a:rPr lang="fr-FR" b="0" strike="noStrike" spc="-1" dirty="0" smtClean="0">
+              <a:rPr lang="fr-FR" sz="1600" b="0" strike="noStrike" spc="-1" dirty="0" smtClean="0">
                 <a:solidFill>
                   <a:srgbClr val="0A3071"/>
                 </a:solidFill>
@@ -33633,7 +33866,7 @@
               <a:t>_</a:t>
             </a:r>
             <a:r>
-              <a:rPr lang="fr-FR" b="0" strike="noStrike" spc="-1" dirty="0">
+              <a:rPr lang="fr-FR" sz="1600" b="0" strike="noStrike" spc="-1" dirty="0">
                 <a:solidFill>
                   <a:srgbClr val="0A3071"/>
                 </a:solidFill>
@@ -33642,7 +33875,7 @@
               <a:t>mm256_sub_pd	</a:t>
             </a:r>
             <a:r>
-              <a:rPr lang="fr-FR" b="0" strike="noStrike" spc="-1" dirty="0" smtClean="0">
+              <a:rPr lang="fr-FR" sz="1600" b="0" strike="noStrike" spc="-1" dirty="0" smtClean="0">
                 <a:solidFill>
                   <a:srgbClr val="0A3071"/>
                 </a:solidFill>
@@ -33651,7 +33884,7 @@
               <a:t>	Réalise </a:t>
             </a:r>
             <a:r>
-              <a:rPr lang="fr-FR" b="0" strike="noStrike" spc="-1" dirty="0">
+              <a:rPr lang="fr-FR" sz="1600" b="0" strike="noStrike" spc="-1" dirty="0">
                 <a:solidFill>
                   <a:srgbClr val="0A3071"/>
                 </a:solidFill>
@@ -33660,7 +33893,7 @@
               <a:t>une soustraction </a:t>
             </a:r>
             <a:r>
-              <a:rPr lang="fr-FR" b="0" strike="noStrike" spc="-1" dirty="0" smtClean="0">
+              <a:rPr lang="fr-FR" sz="1600" b="0" strike="noStrike" spc="-1" dirty="0" smtClean="0">
                 <a:solidFill>
                   <a:srgbClr val="0A3071"/>
                 </a:solidFill>
@@ -33681,7 +33914,7 @@
               <a:buChar char="§"/>
             </a:pPr>
             <a:r>
-              <a:rPr lang="fr-FR" spc="-1" dirty="0" smtClean="0">
+              <a:rPr lang="fr-FR" sz="1600" spc="-1" dirty="0" smtClean="0">
                 <a:solidFill>
                   <a:srgbClr val="0A3071"/>
                 </a:solidFill>
@@ -33690,7 +33923,7 @@
               <a:t>_mm256_sqrt_ps</a:t>
             </a:r>
             <a:r>
-              <a:rPr lang="fr-FR" spc="-1" dirty="0">
+              <a:rPr lang="fr-FR" sz="1600" spc="-1" dirty="0">
                 <a:solidFill>
                   <a:srgbClr val="0A3071"/>
                 </a:solidFill>
@@ -33699,7 +33932,7 @@
               <a:t>	</a:t>
             </a:r>
             <a:r>
-              <a:rPr lang="fr-FR" spc="-1" dirty="0" smtClean="0">
+              <a:rPr lang="fr-FR" sz="1600" spc="-1" dirty="0" smtClean="0">
                 <a:solidFill>
                   <a:srgbClr val="0A3071"/>
                 </a:solidFill>
@@ -33707,7 +33940,7 @@
               </a:rPr>
               <a:t>	?</a:t>
             </a:r>
-            <a:endParaRPr lang="fr-FR" spc="-1" dirty="0">
+            <a:endParaRPr lang="fr-FR" sz="1600" spc="-1" dirty="0">
               <a:solidFill>
                 <a:srgbClr val="0A3071"/>
               </a:solidFill>
@@ -33723,7 +33956,7 @@
                 <a:srgbClr val="FF950E"/>
               </a:buClr>
             </a:pPr>
-            <a:endParaRPr lang="fr-FR" sz="1800" b="0" strike="noStrike" spc="-1" dirty="0" smtClean="0">
+            <a:endParaRPr lang="fr-FR" sz="1600" b="0" strike="noStrike" spc="-1" dirty="0" smtClean="0">
               <a:solidFill>
                 <a:srgbClr val="FF950E"/>
               </a:solidFill>
@@ -33783,8 +34016,8 @@
         </p:nvSpPr>
         <p:spPr>
           <a:xfrm>
-            <a:off x="2606617" y="4593288"/>
-            <a:ext cx="6193506" cy="369332"/>
+            <a:off x="3203302" y="4883415"/>
+            <a:ext cx="6193506" cy="338554"/>
           </a:xfrm>
           <a:prstGeom prst="rect">
             <a:avLst/>
@@ -33796,18 +34029,16 @@
           </a:bodyPr>
           <a:lstStyle/>
           <a:p>
-            <a:pPr marL="799920" lvl="1" indent="-342720">
+            <a:pPr lvl="1">
               <a:spcBef>
                 <a:spcPts val="448"/>
               </a:spcBef>
               <a:buClr>
                 <a:srgbClr val="FF950E"/>
               </a:buClr>
-              <a:buFont typeface="Wingdings" panose="05000000000000000000" pitchFamily="2" charset="2"/>
-              <a:buChar char="§"/>
             </a:pPr>
             <a:r>
-              <a:rPr lang="fr-FR" spc="-1" dirty="0">
+              <a:rPr lang="fr-FR" sz="1600" spc="-1" dirty="0">
                 <a:solidFill>
                   <a:srgbClr val="0A3071"/>
                 </a:solidFill>
@@ -33816,7 +34047,7 @@
               <a:t>Réalise une racine sur un vecteur de 8 </a:t>
             </a:r>
             <a:r>
-              <a:rPr lang="fr-FR" spc="-1" dirty="0" err="1">
+              <a:rPr lang="fr-FR" sz="1600" spc="-1" dirty="0" err="1">
                 <a:solidFill>
                   <a:srgbClr val="0A3071"/>
                 </a:solidFill>
@@ -33825,7 +34056,7 @@
               <a:t>float</a:t>
             </a:r>
             <a:r>
-              <a:rPr lang="fr-FR" spc="-1" dirty="0">
+              <a:rPr lang="fr-FR" sz="1600" spc="-1" dirty="0">
                 <a:solidFill>
                   <a:srgbClr val="0A3071"/>
                 </a:solidFill>
@@ -34348,7 +34579,11 @@
           <a:p>
             <a:r>
               <a:rPr lang="fr-FR" dirty="0" smtClean="0"/>
-              <a:t>Les planches ci-dessus</a:t>
+              <a:t>Les </a:t>
+            </a:r>
+            <a:r>
+              <a:rPr lang="fr-FR" dirty="0" smtClean="0"/>
+              <a:t>planches ci-dessus</a:t>
             </a:r>
           </a:p>
           <a:p>
@@ -34714,7 +34949,7 @@
                 <a:avLst/>
               </a:prstGeom>
               <a:blipFill>
-                <a:blip r:embed="rId2"/>
+                <a:blip r:embed="rId3"/>
                 <a:stretch>
                   <a:fillRect l="-15385" t="-3960" r="-5128" b="-1980"/>
                 </a:stretch>
@@ -35302,7 +35537,7 @@
         <p:spPr>
           <a:xfrm>
             <a:off x="587022" y="1715911"/>
-            <a:ext cx="7678897" cy="3139321"/>
+            <a:ext cx="7807137" cy="3139321"/>
           </a:xfrm>
           <a:prstGeom prst="rect">
             <a:avLst/>
@@ -35409,7 +35644,15 @@
             </a:r>
             <a:r>
               <a:rPr lang="fr-FR" dirty="0" smtClean="0"/>
-              <a:t>ne pas hésiter à utiliser « auto » en remplacement des types… compliqués !</a:t>
+              <a:t>ne pas hésiter à utiliser « auto » en remplacement des </a:t>
+            </a:r>
+            <a:r>
+              <a:rPr lang="fr-FR" dirty="0" smtClean="0"/>
+              <a:t>types… </a:t>
+            </a:r>
+            <a:r>
+              <a:rPr lang="fr-FR" dirty="0" smtClean="0"/>
+              <a:t>compliqués !</a:t>
             </a:r>
             <a:endParaRPr lang="fr-FR" dirty="0"/>
           </a:p>
@@ -36010,29 +36253,27 @@
               <a:rPr lang="fr-FR" dirty="0" smtClean="0"/>
             </a:br>
             <a:r>
+              <a:rPr lang="fr-FR" dirty="0">
+                <a:hlinkClick r:id="rId2"/>
+              </a:rPr>
+              <a:t>https://</a:t>
+            </a:r>
+            <a:r>
               <a:rPr lang="fr-FR" dirty="0" smtClean="0">
                 <a:hlinkClick r:id="rId2"/>
               </a:rPr>
-              <a:t>https</a:t>
-            </a:r>
-            <a:r>
-              <a:rPr lang="fr-FR" dirty="0">
-                <a:hlinkClick r:id="rId2"/>
-              </a:rPr>
-              <a:t>://</a:t>
-            </a:r>
-            <a:r>
-              <a:rPr lang="fr-FR" dirty="0" smtClean="0">
-                <a:hlinkClick r:id="rId2"/>
-              </a:rPr>
-              <a:t>godbolt.org/z/441GvY</a:t>
+              <a:t>godbolt.org/z/179e9s</a:t>
             </a:r>
             <a:endParaRPr lang="fr-FR" dirty="0" smtClean="0"/>
           </a:p>
           <a:p>
             <a:r>
               <a:rPr lang="fr-FR" dirty="0" smtClean="0"/>
-              <a:t>Exécuter du code </a:t>
+              <a:t>Exécuter </a:t>
+            </a:r>
+            <a:r>
+              <a:rPr lang="fr-FR" dirty="0" smtClean="0"/>
+              <a:t>du code </a:t>
             </a:r>
             <a:r>
               <a:rPr lang="fr-FR" dirty="0"/>
@@ -36352,31 +36593,23 @@
                   <a:srgbClr val="7CEBFF"/>
                 </a:solidFill>
               </a:rPr>
-              <a:t>Formation interne </a:t>
-            </a:r>
-            <a:r>
-              <a:rPr lang="fr-FR" dirty="0" err="1" smtClean="0">
+              <a:t>Formation </a:t>
+            </a:r>
+            <a:r>
+              <a:rPr lang="fr-FR" smtClean="0">
                 <a:solidFill>
                   <a:srgbClr val="7CEBFF"/>
                 </a:solidFill>
               </a:rPr>
+              <a:t>interne </a:t>
+            </a:r>
+            <a:r>
+              <a:rPr lang="fr-FR" smtClean="0">
+                <a:solidFill>
+                  <a:srgbClr val="7CEBFF"/>
+                </a:solidFill>
+              </a:rPr>
               <a:t>scalian</a:t>
-            </a:r>
-            <a:r>
-              <a:rPr lang="fr-FR" dirty="0">
-                <a:solidFill>
-                  <a:srgbClr val="7CEBFF"/>
-                </a:solidFill>
-              </a:rPr>
-              <a:t> </a:t>
-            </a:r>
-            <a:r>
-              <a:rPr lang="fr-FR" dirty="0" smtClean="0">
-                <a:solidFill>
-                  <a:srgbClr val="7CEBFF"/>
-                </a:solidFill>
-              </a:rPr>
-              <a:t>les 7 et 8 décembre 2020</a:t>
             </a:r>
             <a:endParaRPr lang="fr-FR" dirty="0">
               <a:solidFill>
@@ -41328,6 +41561,14 @@
 </file>
 
 <file path=customXml/item1.xml><?xml version="1.0" encoding="utf-8"?>
+<p:properties xmlns:p="http://schemas.microsoft.com/office/2006/metadata/properties" xmlns:xsi="http://www.w3.org/2001/XMLSchema-instance" xmlns:pc="http://schemas.microsoft.com/office/infopath/2007/PartnerControls">
+  <documentManagement>
+    <MediaServiceKeyPoints xmlns="71af3243-3dd4-4a8d-8c0d-dd76da1f02a5" xsi:nil="true"/>
+  </documentManagement>
+</p:properties>
+</file>
+
+<file path=customXml/item2.xml><?xml version="1.0" encoding="utf-8"?>
 <ct:contentTypeSchema xmlns:ct="http://schemas.microsoft.com/office/2006/metadata/contentType" xmlns:ma="http://schemas.microsoft.com/office/2006/metadata/properties/metaAttributes" ct:_="" ma:_="" ma:contentTypeName="Document" ma:contentTypeID="0x01010079F111ED35F8CC479449609E8A0923A6" ma:contentTypeVersion="11" ma:contentTypeDescription="Create a new document." ma:contentTypeScope="" ma:versionID="9677210f24a1be23c92c90fd886aa0aa">
   <xsd:schema xmlns:xsd="http://www.w3.org/2001/XMLSchema" xmlns:xs="http://www.w3.org/2001/XMLSchema" xmlns:p="http://schemas.microsoft.com/office/2006/metadata/properties" xmlns:ns2="71af3243-3dd4-4a8d-8c0d-dd76da1f02a5" xmlns:ns3="16c05727-aa75-4e4a-9b5f-8a80a1165891" targetNamespace="http://schemas.microsoft.com/office/2006/metadata/properties" ma:root="true" ma:fieldsID="60e05723c5c1908df1a1a4ebf11d344e" ns2:_="" ns3:_="">
     <xsd:import namespace="71af3243-3dd4-4a8d-8c0d-dd76da1f02a5"/>
@@ -41538,14 +41779,6 @@
 </ct:contentTypeSchema>
 </file>
 
-<file path=customXml/item2.xml><?xml version="1.0" encoding="utf-8"?>
-<p:properties xmlns:p="http://schemas.microsoft.com/office/2006/metadata/properties" xmlns:xsi="http://www.w3.org/2001/XMLSchema-instance" xmlns:pc="http://schemas.microsoft.com/office/infopath/2007/PartnerControls">
-  <documentManagement>
-    <MediaServiceKeyPoints xmlns="71af3243-3dd4-4a8d-8c0d-dd76da1f02a5" xsi:nil="true"/>
-  </documentManagement>
-</p:properties>
-</file>
-
 <file path=customXml/item3.xml><?xml version="1.0" encoding="utf-8"?>
 <?mso-contentType ?>
 <FormTemplates xmlns="http://schemas.microsoft.com/sharepoint/v3/contenttype/forms">
@@ -41556,6 +41789,23 @@
 </file>
 
 <file path=customXml/itemProps1.xml><?xml version="1.0" encoding="utf-8"?>
+<ds:datastoreItem xmlns:ds="http://schemas.openxmlformats.org/officeDocument/2006/customXml" ds:itemID="{F651EF32-6551-47EB-8BA9-22EF81F3DDAC}">
+  <ds:schemaRefs>
+    <ds:schemaRef ds:uri="http://schemas.microsoft.com/office/2006/metadata/properties"/>
+    <ds:schemaRef ds:uri="http://purl.org/dc/dcmitype/"/>
+    <ds:schemaRef ds:uri="http://schemas.microsoft.com/office/2006/documentManagement/types"/>
+    <ds:schemaRef ds:uri="http://purl.org/dc/terms/"/>
+    <ds:schemaRef ds:uri="http://schemas.openxmlformats.org/package/2006/metadata/core-properties"/>
+    <ds:schemaRef ds:uri="http://www.w3.org/XML/1998/namespace"/>
+    <ds:schemaRef ds:uri="http://schemas.microsoft.com/office/infopath/2007/PartnerControls"/>
+    <ds:schemaRef ds:uri="16c05727-aa75-4e4a-9b5f-8a80a1165891"/>
+    <ds:schemaRef ds:uri="71af3243-3dd4-4a8d-8c0d-dd76da1f02a5"/>
+    <ds:schemaRef ds:uri="http://purl.org/dc/elements/1.1/"/>
+  </ds:schemaRefs>
+</ds:datastoreItem>
+</file>
+
+<file path=customXml/itemProps2.xml><?xml version="1.0" encoding="utf-8"?>
 <ds:datastoreItem xmlns:ds="http://schemas.openxmlformats.org/officeDocument/2006/customXml" ds:itemID="{1EED214C-B51A-4B75-8B08-0E0DBD2305BE}">
   <ds:schemaRefs>
     <ds:schemaRef ds:uri="http://schemas.microsoft.com/office/2006/metadata/contentType"/>
@@ -41574,23 +41824,6 @@
 </ds:datastoreItem>
 </file>
 
-<file path=customXml/itemProps2.xml><?xml version="1.0" encoding="utf-8"?>
-<ds:datastoreItem xmlns:ds="http://schemas.openxmlformats.org/officeDocument/2006/customXml" ds:itemID="{F651EF32-6551-47EB-8BA9-22EF81F3DDAC}">
-  <ds:schemaRefs>
-    <ds:schemaRef ds:uri="http://schemas.microsoft.com/office/2006/metadata/properties"/>
-    <ds:schemaRef ds:uri="http://purl.org/dc/dcmitype/"/>
-    <ds:schemaRef ds:uri="http://schemas.microsoft.com/office/2006/documentManagement/types"/>
-    <ds:schemaRef ds:uri="http://purl.org/dc/terms/"/>
-    <ds:schemaRef ds:uri="http://schemas.openxmlformats.org/package/2006/metadata/core-properties"/>
-    <ds:schemaRef ds:uri="http://www.w3.org/XML/1998/namespace"/>
-    <ds:schemaRef ds:uri="http://schemas.microsoft.com/office/infopath/2007/PartnerControls"/>
-    <ds:schemaRef ds:uri="16c05727-aa75-4e4a-9b5f-8a80a1165891"/>
-    <ds:schemaRef ds:uri="71af3243-3dd4-4a8d-8c0d-dd76da1f02a5"/>
-    <ds:schemaRef ds:uri="http://purl.org/dc/elements/1.1/"/>
-  </ds:schemaRefs>
-</ds:datastoreItem>
-</file>
-
 <file path=customXml/itemProps3.xml><?xml version="1.0" encoding="utf-8"?>
 <ds:datastoreItem xmlns:ds="http://schemas.openxmlformats.org/officeDocument/2006/customXml" ds:itemID="{2B21BF1A-59D3-4E19-9B95-2FD4309AC3AF}">
   <ds:schemaRefs>

--- a/Diapos/HPC_SIMD.pptx
+++ b/Diapos/HPC_SIMD.pptx
@@ -13689,7 +13689,7 @@
             <a:pPr rtl="0"/>
             <a:fld id="{44067F72-4B43-4EB2-81AF-1356A084F97D}" type="datetime1">
               <a:rPr lang="fr-FR" smtClean="0"/>
-              <a:t>09/02/2021</a:t>
+              <a:t>10/02/2021</a:t>
             </a:fld>
             <a:endParaRPr lang="fr-FR"/>
           </a:p>
@@ -13871,7 +13871,7 @@
             <a:pPr rtl="0"/>
             <a:fld id="{18E2C9A5-1936-47C6-ADD2-56E91A3B7AD6}" type="datetime1">
               <a:rPr lang="fr-FR" noProof="0" smtClean="0"/>
-              <a:t>09/02/2021</a:t>
+              <a:t>10/02/2021</a:t>
             </a:fld>
             <a:endParaRPr lang="fr-FR" noProof="0"/>
           </a:p>
@@ -15393,7 +15393,7 @@
             <a:pPr rtl="0"/>
             <a:fld id="{0403CD74-91A7-4B71-B298-50645341EDD4}" type="datetime1">
               <a:rPr lang="fr-FR" noProof="0" smtClean="0"/>
-              <a:t>09/02/2021</a:t>
+              <a:t>10/02/2021</a:t>
             </a:fld>
             <a:endParaRPr lang="fr-FR" noProof="0"/>
           </a:p>
@@ -15659,7 +15659,7 @@
             <a:pPr rtl="0"/>
             <a:fld id="{77B509D1-F8C0-4CA0-858B-2AEDA726DA78}" type="datetime1">
               <a:rPr lang="fr-FR" noProof="0" smtClean="0"/>
-              <a:t>09/02/2021</a:t>
+              <a:t>10/02/2021</a:t>
             </a:fld>
             <a:endParaRPr lang="fr-FR" noProof="0"/>
           </a:p>
@@ -15898,7 +15898,7 @@
             <a:pPr rtl="0"/>
             <a:fld id="{BFAD2B5B-47C2-4EBB-964D-B5C3690B6DFC}" type="datetime1">
               <a:rPr lang="fr-FR" noProof="0" smtClean="0"/>
-              <a:t>09/02/2021</a:t>
+              <a:t>10/02/2021</a:t>
             </a:fld>
             <a:endParaRPr lang="fr-FR" noProof="0"/>
           </a:p>
@@ -16147,7 +16147,7 @@
             <a:pPr rtl="0"/>
             <a:fld id="{4284DE75-DF3C-46A1-8E6B-C01542896712}" type="datetime1">
               <a:rPr lang="fr-FR" noProof="0" smtClean="0"/>
-              <a:t>09/02/2021</a:t>
+              <a:t>10/02/2021</a:t>
             </a:fld>
             <a:endParaRPr lang="fr-FR" noProof="0" dirty="0"/>
           </a:p>
@@ -16466,7 +16466,7 @@
             <a:pPr rtl="0"/>
             <a:fld id="{80CB3D2D-45DD-496C-AA6C-A93FD66473E3}" type="datetime1">
               <a:rPr lang="fr-FR" noProof="0" smtClean="0"/>
-              <a:t>09/02/2021</a:t>
+              <a:t>10/02/2021</a:t>
             </a:fld>
             <a:endParaRPr lang="fr-FR" noProof="0"/>
           </a:p>
@@ -16777,7 +16777,7 @@
             <a:pPr rtl="0"/>
             <a:fld id="{EFB18253-55B0-414F-8F02-5F24D4FE0C41}" type="datetime1">
               <a:rPr lang="fr-FR" noProof="0" smtClean="0"/>
-              <a:t>09/02/2021</a:t>
+              <a:t>10/02/2021</a:t>
             </a:fld>
             <a:endParaRPr lang="fr-FR" noProof="0"/>
           </a:p>
@@ -17218,7 +17218,7 @@
             <a:pPr rtl="0"/>
             <a:fld id="{A3DF8B3A-A2CC-4133-9F37-93D6DD187088}" type="datetime1">
               <a:rPr lang="fr-FR" noProof="0" smtClean="0"/>
-              <a:t>09/02/2021</a:t>
+              <a:t>10/02/2021</a:t>
             </a:fld>
             <a:endParaRPr lang="fr-FR" noProof="0"/>
           </a:p>
@@ -17330,7 +17330,7 @@
             <a:pPr rtl="0"/>
             <a:fld id="{3A376707-662B-440F-A345-984A712059E4}" type="datetime1">
               <a:rPr lang="fr-FR" noProof="0" smtClean="0"/>
-              <a:t>09/02/2021</a:t>
+              <a:t>10/02/2021</a:t>
             </a:fld>
             <a:endParaRPr lang="fr-FR" noProof="0"/>
           </a:p>
@@ -17496,7 +17496,7 @@
             <a:pPr rtl="0"/>
             <a:fld id="{8467424E-3337-4E92-BEE1-F720AC49DD1E}" type="datetime1">
               <a:rPr lang="fr-FR" noProof="0" smtClean="0"/>
-              <a:t>09/02/2021</a:t>
+              <a:t>10/02/2021</a:t>
             </a:fld>
             <a:endParaRPr lang="fr-FR" noProof="0"/>
           </a:p>
@@ -17878,7 +17878,7 @@
             <a:pPr rtl="0"/>
             <a:fld id="{D6D64502-6BA4-4CC8-8A3D-2A27850A7A08}" type="datetime1">
               <a:rPr lang="fr-FR" noProof="0" smtClean="0"/>
-              <a:t>09/02/2021</a:t>
+              <a:t>10/02/2021</a:t>
             </a:fld>
             <a:endParaRPr lang="fr-FR" noProof="0"/>
           </a:p>
@@ -18171,7 +18171,7 @@
             <a:pPr rtl="0"/>
             <a:fld id="{01C10578-73C0-4732-A884-D24ACCC97C87}" type="datetime1">
               <a:rPr lang="fr-FR" noProof="0" smtClean="0"/>
-              <a:t>09/02/2021</a:t>
+              <a:t>10/02/2021</a:t>
             </a:fld>
             <a:endParaRPr lang="fr-FR" noProof="0"/>
           </a:p>
@@ -18386,7 +18386,7 @@
             <a:pPr rtl="0"/>
             <a:fld id="{A4C732EE-BF7E-4015-ABFF-6CDED879EEBC}" type="datetime1">
               <a:rPr lang="fr-FR" noProof="0" smtClean="0"/>
-              <a:t>09/02/2021</a:t>
+              <a:t>10/02/2021</a:t>
             </a:fld>
             <a:endParaRPr lang="fr-FR" noProof="0"/>
           </a:p>
@@ -19154,15 +19154,7 @@
                   <a:srgbClr val="7CEBFF"/>
                 </a:solidFill>
               </a:rPr>
-              <a:t>Formation interne </a:t>
-            </a:r>
-            <a:r>
-              <a:rPr lang="fr-FR" dirty="0" smtClean="0">
-                <a:solidFill>
-                  <a:srgbClr val="7CEBFF"/>
-                </a:solidFill>
-              </a:rPr>
-              <a:t>scalian</a:t>
+              <a:t>Formation interne scalian</a:t>
             </a:r>
             <a:endParaRPr lang="fr-FR" dirty="0">
               <a:solidFill>
@@ -31480,16 +31472,7 @@
                 </a:solidFill>
                 <a:latin typeface="Arial Narrow"/>
               </a:rPr>
-              <a:t>Lorsque le compilateur ne veut  pas vectoriser votre code malgré tous vos efforts</a:t>
-            </a:r>
-            <a:r>
-              <a:rPr lang="fr-FR" spc="-1" dirty="0" smtClean="0">
-                <a:solidFill>
-                  <a:srgbClr val="0A3071"/>
-                </a:solidFill>
-                <a:latin typeface="Arial Narrow"/>
-              </a:rPr>
-              <a:t>…</a:t>
+              <a:t>Lorsque le compilateur ne veut  pas vectoriser votre code malgré tous vos efforts…</a:t>
             </a:r>
           </a:p>
           <a:p>
@@ -31513,12 +31496,6 @@
               </a:rPr>
               <a:t>Quand on veut s’assurer d’avoir un code vectorisé quelque soit le compilateur.</a:t>
             </a:r>
-            <a:endParaRPr lang="fr-FR" spc="-1" dirty="0" smtClean="0">
-              <a:solidFill>
-                <a:srgbClr val="0A3071"/>
-              </a:solidFill>
-              <a:latin typeface="Arial Narrow"/>
-            </a:endParaRPr>
           </a:p>
         </p:txBody>
       </p:sp>
@@ -32185,7 +32162,7 @@
               <a:t> </a:t>
             </a:r>
             <a:r>
-              <a:rPr lang="fr-FR" sz="1000" b="1" strike="noStrike" spc="-1" dirty="0" err="1">
+              <a:rPr lang="fr-FR" sz="1000" b="1" strike="noStrike" spc="-1" dirty="0" err="1" smtClean="0">
                 <a:solidFill>
                   <a:srgbClr val="0066CC"/>
                 </a:solidFill>
@@ -32194,22 +32171,22 @@
               <a:t>int</a:t>
             </a:r>
             <a:r>
+              <a:rPr lang="fr-FR" sz="1000" b="1" strike="noStrike" spc="-1" dirty="0" smtClean="0">
+                <a:solidFill>
+                  <a:srgbClr val="800000"/>
+                </a:solidFill>
+                <a:latin typeface="Courier New"/>
+              </a:rPr>
+              <a:t> </a:t>
+            </a:r>
+            <a:r>
               <a:rPr lang="fr-FR" sz="1000" b="1" strike="noStrike" spc="-1" dirty="0">
                 <a:solidFill>
-                  <a:srgbClr val="000000"/>
-                </a:solidFill>
-                <a:latin typeface="Courier New"/>
-              </a:rPr>
-              <a:t>*</a:t>
-            </a:r>
-            <a:r>
-              <a:rPr lang="fr-FR" sz="1000" b="1" strike="noStrike" spc="-1" dirty="0">
-                <a:solidFill>
                   <a:srgbClr val="800000"/>
                 </a:solidFill>
                 <a:latin typeface="Courier New"/>
               </a:rPr>
-              <a:t> N</a:t>
+              <a:t>N</a:t>
             </a:r>
             <a:r>
               <a:rPr lang="fr-FR" sz="1000" b="1" strike="noStrike" spc="-1" dirty="0">
@@ -32758,7 +32735,7 @@
               <a:t> </a:t>
             </a:r>
             <a:r>
-              <a:rPr lang="fr-FR" sz="1000" b="1" strike="noStrike" spc="-1" dirty="0" err="1">
+              <a:rPr lang="fr-FR" sz="1000" b="1" strike="noStrike" spc="-1" dirty="0" err="1" smtClean="0">
                 <a:solidFill>
                   <a:srgbClr val="0066CC"/>
                 </a:solidFill>
@@ -32767,22 +32744,22 @@
               <a:t>int</a:t>
             </a:r>
             <a:r>
+              <a:rPr lang="fr-FR" sz="1000" b="1" strike="noStrike" spc="-1" dirty="0" smtClean="0">
+                <a:solidFill>
+                  <a:srgbClr val="800000"/>
+                </a:solidFill>
+                <a:latin typeface="Courier New"/>
+              </a:rPr>
+              <a:t> </a:t>
+            </a:r>
+            <a:r>
               <a:rPr lang="fr-FR" sz="1000" b="1" strike="noStrike" spc="-1" dirty="0">
                 <a:solidFill>
-                  <a:srgbClr val="000000"/>
-                </a:solidFill>
-                <a:latin typeface="Courier New"/>
-              </a:rPr>
-              <a:t>*</a:t>
-            </a:r>
-            <a:r>
-              <a:rPr lang="fr-FR" sz="1000" b="1" strike="noStrike" spc="-1" dirty="0">
-                <a:solidFill>
                   <a:srgbClr val="800000"/>
                 </a:solidFill>
                 <a:latin typeface="Courier New"/>
               </a:rPr>
-              <a:t> N</a:t>
+              <a:t>N</a:t>
             </a:r>
             <a:r>
               <a:rPr lang="fr-FR" sz="1000" b="1" strike="noStrike" spc="-1" dirty="0">
@@ -33740,25 +33717,7 @@
                 </a:solidFill>
                 <a:latin typeface="Arial Narrow"/>
               </a:rPr>
-              <a:t>	</a:t>
-            </a:r>
-            <a:r>
-              <a:rPr lang="fr-FR" sz="1600" b="0" strike="noStrike" spc="-1" dirty="0" smtClean="0">
-                <a:solidFill>
-                  <a:srgbClr val="0A3071"/>
-                </a:solidFill>
-                <a:latin typeface="Arial Narrow"/>
-              </a:rPr>
-              <a:t>	Calcule </a:t>
-            </a:r>
-            <a:r>
-              <a:rPr lang="fr-FR" sz="1600" b="0" strike="noStrike" spc="-1" dirty="0" smtClean="0">
-                <a:solidFill>
-                  <a:srgbClr val="0A3071"/>
-                </a:solidFill>
-                <a:latin typeface="Arial Narrow"/>
-              </a:rPr>
-              <a:t>le max sur un vecteur de 4 entiers signés 32 bits (128 bits)</a:t>
+              <a:t>		Calcule le max sur un vecteur de 4 entiers signés 32 bits (128 bits)</a:t>
             </a:r>
           </a:p>
           <a:p>
@@ -34579,11 +34538,7 @@
           <a:p>
             <a:r>
               <a:rPr lang="fr-FR" dirty="0" smtClean="0"/>
-              <a:t>Les </a:t>
-            </a:r>
-            <a:r>
-              <a:rPr lang="fr-FR" dirty="0" smtClean="0"/>
-              <a:t>planches ci-dessus</a:t>
+              <a:t>Les planches ci-dessus</a:t>
             </a:r>
           </a:p>
           <a:p>
@@ -35644,15 +35599,7 @@
             </a:r>
             <a:r>
               <a:rPr lang="fr-FR" dirty="0" smtClean="0"/>
-              <a:t>ne pas hésiter à utiliser « auto » en remplacement des </a:t>
-            </a:r>
-            <a:r>
-              <a:rPr lang="fr-FR" dirty="0" smtClean="0"/>
-              <a:t>types… </a:t>
-            </a:r>
-            <a:r>
-              <a:rPr lang="fr-FR" dirty="0" smtClean="0"/>
-              <a:t>compliqués !</a:t>
+              <a:t>ne pas hésiter à utiliser « auto » en remplacement des types… compliqués !</a:t>
             </a:r>
             <a:endParaRPr lang="fr-FR" dirty="0"/>
           </a:p>
@@ -36269,11 +36216,7 @@
           <a:p>
             <a:r>
               <a:rPr lang="fr-FR" dirty="0" smtClean="0"/>
-              <a:t>Exécuter </a:t>
-            </a:r>
-            <a:r>
-              <a:rPr lang="fr-FR" dirty="0" smtClean="0"/>
-              <a:t>du code </a:t>
+              <a:t>Exécuter du code </a:t>
             </a:r>
             <a:r>
               <a:rPr lang="fr-FR" dirty="0"/>
@@ -36601,15 +36544,7 @@
                   <a:srgbClr val="7CEBFF"/>
                 </a:solidFill>
               </a:rPr>
-              <a:t>interne </a:t>
-            </a:r>
-            <a:r>
-              <a:rPr lang="fr-FR" smtClean="0">
-                <a:solidFill>
-                  <a:srgbClr val="7CEBFF"/>
-                </a:solidFill>
-              </a:rPr>
-              <a:t>scalian</a:t>
+              <a:t>interne scalian</a:t>
             </a:r>
             <a:endParaRPr lang="fr-FR" dirty="0">
               <a:solidFill>
@@ -41561,14 +41496,6 @@
 </file>
 
 <file path=customXml/item1.xml><?xml version="1.0" encoding="utf-8"?>
-<p:properties xmlns:p="http://schemas.microsoft.com/office/2006/metadata/properties" xmlns:xsi="http://www.w3.org/2001/XMLSchema-instance" xmlns:pc="http://schemas.microsoft.com/office/infopath/2007/PartnerControls">
-  <documentManagement>
-    <MediaServiceKeyPoints xmlns="71af3243-3dd4-4a8d-8c0d-dd76da1f02a5" xsi:nil="true"/>
-  </documentManagement>
-</p:properties>
-</file>
-
-<file path=customXml/item2.xml><?xml version="1.0" encoding="utf-8"?>
 <ct:contentTypeSchema xmlns:ct="http://schemas.microsoft.com/office/2006/metadata/contentType" xmlns:ma="http://schemas.microsoft.com/office/2006/metadata/properties/metaAttributes" ct:_="" ma:_="" ma:contentTypeName="Document" ma:contentTypeID="0x01010079F111ED35F8CC479449609E8A0923A6" ma:contentTypeVersion="11" ma:contentTypeDescription="Create a new document." ma:contentTypeScope="" ma:versionID="9677210f24a1be23c92c90fd886aa0aa">
   <xsd:schema xmlns:xsd="http://www.w3.org/2001/XMLSchema" xmlns:xs="http://www.w3.org/2001/XMLSchema" xmlns:p="http://schemas.microsoft.com/office/2006/metadata/properties" xmlns:ns2="71af3243-3dd4-4a8d-8c0d-dd76da1f02a5" xmlns:ns3="16c05727-aa75-4e4a-9b5f-8a80a1165891" targetNamespace="http://schemas.microsoft.com/office/2006/metadata/properties" ma:root="true" ma:fieldsID="60e05723c5c1908df1a1a4ebf11d344e" ns2:_="" ns3:_="">
     <xsd:import namespace="71af3243-3dd4-4a8d-8c0d-dd76da1f02a5"/>
@@ -41779,6 +41706,14 @@
 </ct:contentTypeSchema>
 </file>
 
+<file path=customXml/item2.xml><?xml version="1.0" encoding="utf-8"?>
+<p:properties xmlns:p="http://schemas.microsoft.com/office/2006/metadata/properties" xmlns:xsi="http://www.w3.org/2001/XMLSchema-instance" xmlns:pc="http://schemas.microsoft.com/office/infopath/2007/PartnerControls">
+  <documentManagement>
+    <MediaServiceKeyPoints xmlns="71af3243-3dd4-4a8d-8c0d-dd76da1f02a5" xsi:nil="true"/>
+  </documentManagement>
+</p:properties>
+</file>
+
 <file path=customXml/item3.xml><?xml version="1.0" encoding="utf-8"?>
 <?mso-contentType ?>
 <FormTemplates xmlns="http://schemas.microsoft.com/sharepoint/v3/contenttype/forms">
@@ -41789,23 +41724,6 @@
 </file>
 
 <file path=customXml/itemProps1.xml><?xml version="1.0" encoding="utf-8"?>
-<ds:datastoreItem xmlns:ds="http://schemas.openxmlformats.org/officeDocument/2006/customXml" ds:itemID="{F651EF32-6551-47EB-8BA9-22EF81F3DDAC}">
-  <ds:schemaRefs>
-    <ds:schemaRef ds:uri="http://schemas.microsoft.com/office/2006/metadata/properties"/>
-    <ds:schemaRef ds:uri="http://purl.org/dc/dcmitype/"/>
-    <ds:schemaRef ds:uri="http://schemas.microsoft.com/office/2006/documentManagement/types"/>
-    <ds:schemaRef ds:uri="http://purl.org/dc/terms/"/>
-    <ds:schemaRef ds:uri="http://schemas.openxmlformats.org/package/2006/metadata/core-properties"/>
-    <ds:schemaRef ds:uri="http://www.w3.org/XML/1998/namespace"/>
-    <ds:schemaRef ds:uri="http://schemas.microsoft.com/office/infopath/2007/PartnerControls"/>
-    <ds:schemaRef ds:uri="16c05727-aa75-4e4a-9b5f-8a80a1165891"/>
-    <ds:schemaRef ds:uri="71af3243-3dd4-4a8d-8c0d-dd76da1f02a5"/>
-    <ds:schemaRef ds:uri="http://purl.org/dc/elements/1.1/"/>
-  </ds:schemaRefs>
-</ds:datastoreItem>
-</file>
-
-<file path=customXml/itemProps2.xml><?xml version="1.0" encoding="utf-8"?>
 <ds:datastoreItem xmlns:ds="http://schemas.openxmlformats.org/officeDocument/2006/customXml" ds:itemID="{1EED214C-B51A-4B75-8B08-0E0DBD2305BE}">
   <ds:schemaRefs>
     <ds:schemaRef ds:uri="http://schemas.microsoft.com/office/2006/metadata/contentType"/>
@@ -41824,6 +41742,23 @@
 </ds:datastoreItem>
 </file>
 
+<file path=customXml/itemProps2.xml><?xml version="1.0" encoding="utf-8"?>
+<ds:datastoreItem xmlns:ds="http://schemas.openxmlformats.org/officeDocument/2006/customXml" ds:itemID="{F651EF32-6551-47EB-8BA9-22EF81F3DDAC}">
+  <ds:schemaRefs>
+    <ds:schemaRef ds:uri="http://schemas.microsoft.com/office/2006/metadata/properties"/>
+    <ds:schemaRef ds:uri="http://purl.org/dc/dcmitype/"/>
+    <ds:schemaRef ds:uri="http://schemas.microsoft.com/office/2006/documentManagement/types"/>
+    <ds:schemaRef ds:uri="http://purl.org/dc/terms/"/>
+    <ds:schemaRef ds:uri="http://schemas.openxmlformats.org/package/2006/metadata/core-properties"/>
+    <ds:schemaRef ds:uri="http://www.w3.org/XML/1998/namespace"/>
+    <ds:schemaRef ds:uri="http://schemas.microsoft.com/office/infopath/2007/PartnerControls"/>
+    <ds:schemaRef ds:uri="16c05727-aa75-4e4a-9b5f-8a80a1165891"/>
+    <ds:schemaRef ds:uri="71af3243-3dd4-4a8d-8c0d-dd76da1f02a5"/>
+    <ds:schemaRef ds:uri="http://purl.org/dc/elements/1.1/"/>
+  </ds:schemaRefs>
+</ds:datastoreItem>
+</file>
+
 <file path=customXml/itemProps3.xml><?xml version="1.0" encoding="utf-8"?>
 <ds:datastoreItem xmlns:ds="http://schemas.openxmlformats.org/officeDocument/2006/customXml" ds:itemID="{2B21BF1A-59D3-4E19-9B95-2FD4309AC3AF}">
   <ds:schemaRefs>
